--- a/Decentralized Crop Insurance Solution.pptx
+++ b/Decentralized Crop Insurance Solution.pptx
@@ -5,10 +5,10 @@
     <p:sldMasterId id="2147483648" r:id="rId1"/>
   </p:sldMasterIdLst>
   <p:notesMasterIdLst>
-    <p:notesMasterId r:id="rId14"/>
+    <p:notesMasterId r:id="rId16"/>
   </p:notesMasterIdLst>
   <p:handoutMasterIdLst>
-    <p:handoutMasterId r:id="rId15"/>
+    <p:handoutMasterId r:id="rId17"/>
   </p:handoutMasterIdLst>
   <p:sldIdLst>
     <p:sldId id="256" r:id="rId2"/>
@@ -17,12 +17,14 @@
     <p:sldId id="264" r:id="rId5"/>
     <p:sldId id="270" r:id="rId6"/>
     <p:sldId id="272" r:id="rId7"/>
-    <p:sldId id="269" r:id="rId8"/>
-    <p:sldId id="260" r:id="rId9"/>
-    <p:sldId id="271" r:id="rId10"/>
-    <p:sldId id="259" r:id="rId11"/>
-    <p:sldId id="265" r:id="rId12"/>
-    <p:sldId id="262" r:id="rId13"/>
+    <p:sldId id="273" r:id="rId8"/>
+    <p:sldId id="274" r:id="rId9"/>
+    <p:sldId id="269" r:id="rId10"/>
+    <p:sldId id="260" r:id="rId11"/>
+    <p:sldId id="271" r:id="rId12"/>
+    <p:sldId id="259" r:id="rId13"/>
+    <p:sldId id="265" r:id="rId14"/>
+    <p:sldId id="262" r:id="rId15"/>
   </p:sldIdLst>
   <p:sldSz cx="12192000" cy="6858000"/>
   <p:notesSz cx="6858000" cy="9144000"/>
@@ -835,7 +837,7 @@
             <a:fld id="{543B8876-8781-4047-8CE5-1D813D7FC77F}" type="datetime8">
               <a:rPr lang="x-none" smtClean="0"/>
               <a:pPr/>
-              <a:t>24-11-2019 10:28</a:t>
+              <a:t>24-11-2019 10:54</a:t>
             </a:fld>
             <a:endParaRPr lang="x-none"/>
           </a:p>
@@ -1037,7 +1039,7 @@
             <a:fld id="{5DF7619D-40A3-4EBA-BFBE-A7151DBA219C}" type="datetime8">
               <a:rPr lang="x-none" smtClean="0"/>
               <a:pPr/>
-              <a:t>24-11-2019 10:28</a:t>
+              <a:t>24-11-2019 10:54</a:t>
             </a:fld>
             <a:endParaRPr lang="x-none"/>
           </a:p>
@@ -1249,7 +1251,7 @@
             <a:fld id="{FA7BC6A9-4CF0-4EC3-A54E-BA7D4E39DD56}" type="datetime8">
               <a:rPr lang="x-none" smtClean="0"/>
               <a:pPr/>
-              <a:t>24-11-2019 10:28</a:t>
+              <a:t>24-11-2019 10:54</a:t>
             </a:fld>
             <a:endParaRPr lang="x-none"/>
           </a:p>
@@ -1451,7 +1453,7 @@
             <a:fld id="{B5160B0B-0905-4F80-9B79-6ED48855F355}" type="datetime8">
               <a:rPr lang="x-none" smtClean="0"/>
               <a:pPr/>
-              <a:t>24-11-2019 10:28</a:t>
+              <a:t>24-11-2019 10:54</a:t>
             </a:fld>
             <a:endParaRPr lang="x-none"/>
           </a:p>
@@ -1729,7 +1731,7 @@
             <a:fld id="{F77771E0-D1A0-495A-A685-4E4503F9074D}" type="datetime8">
               <a:rPr lang="x-none" smtClean="0"/>
               <a:pPr/>
-              <a:t>24-11-2019 10:28</a:t>
+              <a:t>24-11-2019 10:54</a:t>
             </a:fld>
             <a:endParaRPr lang="x-none"/>
           </a:p>
@@ -1999,7 +2001,7 @@
             <a:fld id="{C98FE287-2B1B-4053-9336-FD8ADED2A25E}" type="datetime8">
               <a:rPr lang="x-none" smtClean="0"/>
               <a:pPr/>
-              <a:t>24-11-2019 10:28</a:t>
+              <a:t>24-11-2019 10:54</a:t>
             </a:fld>
             <a:endParaRPr lang="x-none"/>
           </a:p>
@@ -2416,7 +2418,7 @@
             <a:fld id="{FAFEC031-5F87-4A57-81D2-081FD130CAF5}" type="datetime8">
               <a:rPr lang="x-none" smtClean="0"/>
               <a:pPr/>
-              <a:t>24-11-2019 10:28</a:t>
+              <a:t>24-11-2019 10:54</a:t>
             </a:fld>
             <a:endParaRPr lang="x-none"/>
           </a:p>
@@ -2560,7 +2562,7 @@
             <a:fld id="{6E507422-109C-4C1C-B1EB-63AEC703E02F}" type="datetime8">
               <a:rPr lang="x-none" smtClean="0"/>
               <a:pPr/>
-              <a:t>24-11-2019 10:28</a:t>
+              <a:t>24-11-2019 10:54</a:t>
             </a:fld>
             <a:endParaRPr lang="x-none"/>
           </a:p>
@@ -2675,7 +2677,7 @@
             <a:fld id="{AD6B5F6E-A40D-44F4-A146-BD04EAF16D32}" type="datetime8">
               <a:rPr lang="x-none" smtClean="0"/>
               <a:pPr/>
-              <a:t>24-11-2019 10:28</a:t>
+              <a:t>24-11-2019 10:54</a:t>
             </a:fld>
             <a:endParaRPr lang="x-none"/>
           </a:p>
@@ -2990,7 +2992,7 @@
             <a:fld id="{589E83A2-32B4-44C6-94CC-A08A017D02CF}" type="datetime8">
               <a:rPr lang="x-none" smtClean="0"/>
               <a:pPr/>
-              <a:t>24-11-2019 10:28</a:t>
+              <a:t>24-11-2019 10:54</a:t>
             </a:fld>
             <a:endParaRPr lang="x-none"/>
           </a:p>
@@ -3281,7 +3283,7 @@
             <a:fld id="{D9028CC8-D893-4944-A0C0-4475208982C3}" type="datetime8">
               <a:rPr lang="x-none" smtClean="0"/>
               <a:pPr/>
-              <a:t>24-11-2019 10:28</a:t>
+              <a:t>24-11-2019 10:54</a:t>
             </a:fld>
             <a:endParaRPr lang="x-none"/>
           </a:p>
@@ -3526,7 +3528,7 @@
             <a:fld id="{F828E01B-D182-46E2-8D8F-B81C922CC6F0}" type="datetime8">
               <a:rPr lang="x-none" smtClean="0"/>
               <a:pPr/>
-              <a:t>24-11-2019 10:28</a:t>
+              <a:t>24-11-2019 10:54</a:t>
             </a:fld>
             <a:endParaRPr lang="x-none"/>
           </a:p>
@@ -4119,7 +4121,7 @@
           <p:cNvPr id="2" name="Title 1">
             <a:extLst>
               <a:ext uri="{FF2B5EF4-FFF2-40B4-BE49-F238E27FC236}">
-                <a16:creationId xmlns:a16="http://schemas.microsoft.com/office/drawing/2014/main" id="{FE1401C1-B4D1-4DB1-8423-84A5863BEF30}"/>
+                <a16:creationId xmlns:a16="http://schemas.microsoft.com/office/drawing/2014/main" id="{B3E78310-F236-4657-9AA4-0596BCC909CD}"/>
               </a:ext>
             </a:extLst>
           </p:cNvPr>
@@ -4136,8 +4138,8 @@
           <a:lstStyle/>
           <a:p>
             <a:r>
-              <a:rPr lang="en-US" dirty="0" smtClean="0"/>
-              <a:t>Deliverables</a:t>
+              <a:rPr lang="en-US" dirty="0"/>
+              <a:t>Demo/ Prototype</a:t>
             </a:r>
             <a:endParaRPr lang="x-none" dirty="0"/>
           </a:p>
@@ -4148,7 +4150,7 @@
           <p:cNvPr id="3" name="Content Placeholder 2">
             <a:extLst>
               <a:ext uri="{FF2B5EF4-FFF2-40B4-BE49-F238E27FC236}">
-                <a16:creationId xmlns:a16="http://schemas.microsoft.com/office/drawing/2014/main" id="{F3BCB68E-A995-4B03-A068-DCE5C88FF8F5}"/>
+                <a16:creationId xmlns:a16="http://schemas.microsoft.com/office/drawing/2014/main" id="{5BF884F5-5AD8-4A52-BC8D-5E653C44E65B}"/>
               </a:ext>
             </a:extLst>
           </p:cNvPr>
@@ -4161,165 +4163,108 @@
         </p:nvSpPr>
         <p:spPr/>
         <p:txBody>
-          <a:bodyPr>
-            <a:normAutofit/>
-          </a:bodyPr>
-          <a:lstStyle/>
-          <a:p>
-            <a:pPr lvl="0">
-              <a:lnSpc>
-                <a:spcPct val="107000"/>
-              </a:lnSpc>
-              <a:spcBef>
-                <a:spcPts val="0"/>
-              </a:spcBef>
-              <a:buFont typeface="Symbol" panose="05050102010706020507" pitchFamily="18" charset="2"/>
-              <a:buChar char=""/>
+          <a:bodyPr/>
+          <a:lstStyle/>
+          <a:p>
+            <a:endParaRPr lang="en-IN" dirty="0" smtClean="0"/>
+          </a:p>
+          <a:p>
+            <a:pPr marL="0" indent="0" algn="ctr">
+              <a:buNone/>
             </a:pPr>
             <a:r>
+              <a:rPr lang="en-IN" dirty="0" smtClean="0"/>
+              <a:t>The</a:t>
+            </a:r>
+          </a:p>
+          <a:p>
+            <a:pPr marL="0" indent="0" algn="ctr">
+              <a:buNone/>
+            </a:pPr>
+            <a:r>
+              <a:rPr lang="en-IN" dirty="0" smtClean="0"/>
+              <a:t>Blockchain Technology Based</a:t>
+            </a:r>
+          </a:p>
+          <a:p>
+            <a:pPr marL="0" indent="0" algn="ctr">
+              <a:buNone/>
+            </a:pPr>
+            <a:r>
+              <a:rPr lang="en-IN" dirty="0" smtClean="0"/>
+              <a:t>Decentralized Crop </a:t>
+            </a:r>
+            <a:r>
+              <a:rPr lang="en-IN" dirty="0"/>
+              <a:t>Insurance Solution </a:t>
+            </a:r>
+            <a:endParaRPr lang="en-IN" dirty="0" smtClean="0"/>
+          </a:p>
+          <a:p>
+            <a:pPr marL="0" indent="0" algn="ctr">
+              <a:buNone/>
+            </a:pPr>
+            <a:r>
+              <a:rPr lang="en-IN" dirty="0" smtClean="0"/>
+              <a:t>– </a:t>
+            </a:r>
+          </a:p>
+          <a:p>
+            <a:pPr marL="0" indent="0" algn="ctr">
+              <a:buNone/>
+            </a:pPr>
+            <a:r>
+              <a:rPr lang="en-IN" dirty="0" smtClean="0">
+                <a:hlinkClick r:id="rId2"/>
+              </a:rPr>
+              <a:t>Video - Crop </a:t>
+            </a:r>
+            <a:r>
+              <a:rPr lang="en-IN" dirty="0">
+                <a:hlinkClick r:id="rId2"/>
+              </a:rPr>
+              <a:t>Insurance Solution</a:t>
+            </a:r>
+            <a:endParaRPr lang="en-IN" dirty="0" smtClean="0"/>
+          </a:p>
+          <a:p>
+            <a:pPr marL="0" indent="0" algn="ctr">
+              <a:buNone/>
+            </a:pPr>
+            <a:r>
               <a:rPr lang="en-US" dirty="0" smtClean="0">
-                <a:latin typeface="Calibri" panose="020F0502020204030204" pitchFamily="34" charset="0"/>
-                <a:ea typeface="Calibri" panose="020F0502020204030204" pitchFamily="34" charset="0"/>
-                <a:cs typeface="Times New Roman" panose="02020603050405020304" pitchFamily="18" charset="0"/>
+                <a:hlinkClick r:id="rId2"/>
               </a:rPr>
-              <a:t>UI (User Interface)</a:t>
-            </a:r>
-          </a:p>
-          <a:p>
-            <a:pPr lvl="0">
-              <a:lnSpc>
-                <a:spcPct val="107000"/>
-              </a:lnSpc>
-              <a:spcBef>
-                <a:spcPts val="0"/>
-              </a:spcBef>
-              <a:buFont typeface="Symbol" panose="05050102010706020507" pitchFamily="18" charset="2"/>
-              <a:buChar char=""/>
+              <a:t>GitHub - </a:t>
+            </a:r>
+            <a:r>
+              <a:rPr lang="en-IN" dirty="0" smtClean="0">
+                <a:hlinkClick r:id="rId2"/>
+              </a:rPr>
+              <a:t>The </a:t>
+            </a:r>
+            <a:r>
+              <a:rPr lang="en-IN" dirty="0">
+                <a:hlinkClick r:id="rId2"/>
+              </a:rPr>
+              <a:t>Crop Insurance Solution</a:t>
+            </a:r>
+            <a:r>
+              <a:rPr lang="en-US" dirty="0" smtClean="0">
+                <a:hlinkClick r:id="rId3"/>
+              </a:rPr>
+              <a:t> </a:t>
+            </a:r>
+            <a:endParaRPr lang="en-US" dirty="0" smtClean="0"/>
+          </a:p>
+          <a:p>
+            <a:pPr marL="0" indent="0" algn="ctr">
+              <a:buNone/>
             </a:pPr>
-            <a:endParaRPr lang="en-US" dirty="0" smtClean="0">
-              <a:latin typeface="Calibri" panose="020F0502020204030204" pitchFamily="34" charset="0"/>
-              <a:ea typeface="Calibri" panose="020F0502020204030204" pitchFamily="34" charset="0"/>
-              <a:cs typeface="Times New Roman" panose="02020603050405020304" pitchFamily="18" charset="0"/>
-            </a:endParaRPr>
-          </a:p>
-          <a:p>
-            <a:pPr lvl="0">
-              <a:lnSpc>
-                <a:spcPct val="107000"/>
-              </a:lnSpc>
-              <a:spcBef>
-                <a:spcPts val="0"/>
-              </a:spcBef>
-              <a:buFont typeface="Symbol" panose="05050102010706020507" pitchFamily="18" charset="2"/>
-              <a:buChar char=""/>
-            </a:pPr>
-            <a:r>
-              <a:rPr lang="en-US" dirty="0" err="1" smtClean="0">
-                <a:latin typeface="Calibri" panose="020F0502020204030204" pitchFamily="34" charset="0"/>
-                <a:ea typeface="Calibri" panose="020F0502020204030204" pitchFamily="34" charset="0"/>
-                <a:cs typeface="Times New Roman" panose="02020603050405020304" pitchFamily="18" charset="0"/>
-              </a:rPr>
-              <a:t>DApp</a:t>
-            </a:r>
-            <a:r>
-              <a:rPr lang="en-US" dirty="0" smtClean="0">
-                <a:latin typeface="Calibri" panose="020F0502020204030204" pitchFamily="34" charset="0"/>
-                <a:ea typeface="Calibri" panose="020F0502020204030204" pitchFamily="34" charset="0"/>
-                <a:cs typeface="Times New Roman" panose="02020603050405020304" pitchFamily="18" charset="0"/>
-              </a:rPr>
-              <a:t> (Middleware to connect to Blockchain)</a:t>
-            </a:r>
-          </a:p>
-          <a:p>
-            <a:pPr lvl="0">
-              <a:lnSpc>
-                <a:spcPct val="107000"/>
-              </a:lnSpc>
-              <a:spcBef>
-                <a:spcPts val="0"/>
-              </a:spcBef>
-              <a:buFont typeface="Symbol" panose="05050102010706020507" pitchFamily="18" charset="2"/>
-              <a:buChar char=""/>
-            </a:pPr>
-            <a:endParaRPr lang="en-US" dirty="0" smtClean="0">
-              <a:latin typeface="Calibri" panose="020F0502020204030204" pitchFamily="34" charset="0"/>
-              <a:ea typeface="Calibri" panose="020F0502020204030204" pitchFamily="34" charset="0"/>
-              <a:cs typeface="Times New Roman" panose="02020603050405020304" pitchFamily="18" charset="0"/>
-            </a:endParaRPr>
-          </a:p>
-          <a:p>
-            <a:pPr lvl="0">
-              <a:lnSpc>
-                <a:spcPct val="107000"/>
-              </a:lnSpc>
-              <a:spcBef>
-                <a:spcPts val="0"/>
-              </a:spcBef>
-              <a:buFont typeface="Symbol" panose="05050102010706020507" pitchFamily="18" charset="2"/>
-              <a:buChar char=""/>
-            </a:pPr>
-            <a:r>
-              <a:rPr lang="en-US" dirty="0" smtClean="0">
-                <a:latin typeface="Calibri" panose="020F0502020204030204" pitchFamily="34" charset="0"/>
-                <a:ea typeface="Calibri" panose="020F0502020204030204" pitchFamily="34" charset="0"/>
-                <a:cs typeface="Times New Roman" panose="02020603050405020304" pitchFamily="18" charset="0"/>
-              </a:rPr>
-              <a:t>Smart Contracts</a:t>
-            </a:r>
-          </a:p>
-          <a:p>
-            <a:pPr lvl="0">
-              <a:lnSpc>
-                <a:spcPct val="107000"/>
-              </a:lnSpc>
-              <a:spcBef>
-                <a:spcPts val="0"/>
-              </a:spcBef>
-              <a:buFont typeface="Symbol" panose="05050102010706020507" pitchFamily="18" charset="2"/>
-              <a:buChar char=""/>
-            </a:pPr>
-            <a:endParaRPr lang="en-US" dirty="0" smtClean="0">
-              <a:latin typeface="Calibri" panose="020F0502020204030204" pitchFamily="34" charset="0"/>
-              <a:ea typeface="Calibri" panose="020F0502020204030204" pitchFamily="34" charset="0"/>
-              <a:cs typeface="Times New Roman" panose="02020603050405020304" pitchFamily="18" charset="0"/>
-            </a:endParaRPr>
-          </a:p>
-          <a:p>
-            <a:pPr lvl="0">
-              <a:lnSpc>
-                <a:spcPct val="107000"/>
-              </a:lnSpc>
-              <a:spcBef>
-                <a:spcPts val="0"/>
-              </a:spcBef>
-              <a:buFont typeface="Symbol" panose="05050102010706020507" pitchFamily="18" charset="2"/>
-              <a:buChar char=""/>
-            </a:pPr>
-            <a:r>
-              <a:rPr lang="en-US" dirty="0" smtClean="0">
-                <a:latin typeface="Calibri" panose="020F0502020204030204" pitchFamily="34" charset="0"/>
-                <a:ea typeface="Calibri" panose="020F0502020204030204" pitchFamily="34" charset="0"/>
-                <a:cs typeface="Times New Roman" panose="02020603050405020304" pitchFamily="18" charset="0"/>
-              </a:rPr>
-              <a:t>The Ethereum based Blockchain Network</a:t>
-            </a:r>
-          </a:p>
-          <a:p>
-            <a:pPr lvl="0">
-              <a:lnSpc>
-                <a:spcPct val="107000"/>
-              </a:lnSpc>
-              <a:spcBef>
-                <a:spcPts val="0"/>
-              </a:spcBef>
-              <a:buFont typeface="Symbol" panose="05050102010706020507" pitchFamily="18" charset="2"/>
-              <a:buChar char=""/>
-            </a:pPr>
-            <a:endParaRPr lang="en-US" dirty="0">
-              <a:latin typeface="Calibri" panose="020F0502020204030204" pitchFamily="34" charset="0"/>
-              <a:ea typeface="Calibri" panose="020F0502020204030204" pitchFamily="34" charset="0"/>
-              <a:cs typeface="Times New Roman" panose="02020603050405020304" pitchFamily="18" charset="0"/>
-            </a:endParaRPr>
+            <a:endParaRPr lang="en-IN" dirty="0"/>
+          </a:p>
+          <a:p>
+            <a:endParaRPr lang="x-none" i="1" dirty="0"/>
           </a:p>
         </p:txBody>
       </p:sp>
@@ -4328,7 +4273,7 @@
           <p:cNvPr id="4" name="Slide Number Placeholder 3">
             <a:extLst>
               <a:ext uri="{FF2B5EF4-FFF2-40B4-BE49-F238E27FC236}">
-                <a16:creationId xmlns:a16="http://schemas.microsoft.com/office/drawing/2014/main" id="{3316F4E0-730A-4FEE-9017-EE74B1C06734}"/>
+                <a16:creationId xmlns:a16="http://schemas.microsoft.com/office/drawing/2014/main" id="{145FA464-2810-402A-A0D5-84C355C1D18A}"/>
               </a:ext>
             </a:extLst>
           </p:cNvPr>
@@ -4356,7 +4301,7 @@
     </p:spTree>
     <p:extLst>
       <p:ext uri="{BB962C8B-B14F-4D97-AF65-F5344CB8AC3E}">
-        <p14:creationId xmlns:p14="http://schemas.microsoft.com/office/powerpoint/2010/main" val="2710496697"/>
+        <p14:creationId xmlns:p14="http://schemas.microsoft.com/office/powerpoint/2010/main" val="1121421148"/>
       </p:ext>
     </p:extLst>
   </p:cSld>
@@ -4395,7 +4340,7 @@
           <p:cNvPr id="2" name="Title 1">
             <a:extLst>
               <a:ext uri="{FF2B5EF4-FFF2-40B4-BE49-F238E27FC236}">
-                <a16:creationId xmlns:a16="http://schemas.microsoft.com/office/drawing/2014/main" id="{BD13EB1C-7B6B-4D07-AF79-AF0F1FB29BDA}"/>
+                <a16:creationId xmlns:a16="http://schemas.microsoft.com/office/drawing/2014/main" id="{FE1401C1-B4D1-4DB1-8423-84A5863BEF30}"/>
               </a:ext>
             </a:extLst>
           </p:cNvPr>
@@ -4406,24 +4351,505 @@
             <p:ph type="title"/>
           </p:nvPr>
         </p:nvSpPr>
-        <p:spPr>
-          <a:xfrm>
-            <a:off x="838200" y="2511977"/>
-            <a:ext cx="10515600" cy="1325563"/>
-          </a:xfrm>
-        </p:spPr>
+        <p:spPr/>
+        <p:txBody>
+          <a:bodyPr/>
+          <a:lstStyle/>
+          <a:p>
+            <a:r>
+              <a:rPr lang="en-US" dirty="0"/>
+              <a:t>Technology Stack</a:t>
+            </a:r>
+            <a:endParaRPr lang="x-none" dirty="0"/>
+          </a:p>
+        </p:txBody>
+      </p:sp>
+      <p:sp>
+        <p:nvSpPr>
+          <p:cNvPr id="3" name="Content Placeholder 2">
+            <a:extLst>
+              <a:ext uri="{FF2B5EF4-FFF2-40B4-BE49-F238E27FC236}">
+                <a16:creationId xmlns:a16="http://schemas.microsoft.com/office/drawing/2014/main" id="{F3BCB68E-A995-4B03-A068-DCE5C88FF8F5}"/>
+              </a:ext>
+            </a:extLst>
+          </p:cNvPr>
+          <p:cNvSpPr>
+            <a:spLocks noGrp="1"/>
+          </p:cNvSpPr>
+          <p:nvPr>
+            <p:ph idx="1"/>
+          </p:nvPr>
+        </p:nvSpPr>
+        <p:spPr/>
         <p:txBody>
           <a:bodyPr>
-            <a:normAutofit/>
+            <a:normAutofit fontScale="85000" lnSpcReduction="20000"/>
           </a:bodyPr>
           <a:lstStyle/>
           <a:p>
-            <a:pPr algn="ctr"/>
-            <a:r>
-              <a:rPr lang="en-US" sz="6600" dirty="0"/>
-              <a:t>Thank you</a:t>
-            </a:r>
-            <a:endParaRPr lang="x-none" sz="6600" dirty="0"/>
+            <a:pPr>
+              <a:lnSpc>
+                <a:spcPct val="107000"/>
+              </a:lnSpc>
+              <a:spcBef>
+                <a:spcPts val="0"/>
+              </a:spcBef>
+            </a:pPr>
+            <a:r>
+              <a:rPr lang="en-IN" sz="2000" dirty="0">
+                <a:latin typeface="Calibri" panose="020F0502020204030204" pitchFamily="34" charset="0"/>
+                <a:ea typeface="Calibri" panose="020F0502020204030204" pitchFamily="34" charset="0"/>
+                <a:cs typeface="Times New Roman" panose="02020603050405020304" pitchFamily="18" charset="0"/>
+              </a:rPr>
+              <a:t>Ethereum </a:t>
+            </a:r>
+            <a:r>
+              <a:rPr lang="en-IN" sz="2000" dirty="0" smtClean="0">
+                <a:latin typeface="Calibri" panose="020F0502020204030204" pitchFamily="34" charset="0"/>
+                <a:ea typeface="Calibri" panose="020F0502020204030204" pitchFamily="34" charset="0"/>
+                <a:cs typeface="Times New Roman" panose="02020603050405020304" pitchFamily="18" charset="0"/>
+              </a:rPr>
+              <a:t>Smart Contracts </a:t>
+            </a:r>
+            <a:r>
+              <a:rPr lang="en-IN" sz="2000" dirty="0">
+                <a:latin typeface="Calibri" panose="020F0502020204030204" pitchFamily="34" charset="0"/>
+                <a:ea typeface="Calibri" panose="020F0502020204030204" pitchFamily="34" charset="0"/>
+                <a:cs typeface="Times New Roman" panose="02020603050405020304" pitchFamily="18" charset="0"/>
+              </a:rPr>
+              <a:t>– </a:t>
+            </a:r>
+            <a:r>
+              <a:rPr lang="en-IN" sz="2000" dirty="0" smtClean="0">
+                <a:latin typeface="Calibri" panose="020F0502020204030204" pitchFamily="34" charset="0"/>
+                <a:ea typeface="Calibri" panose="020F0502020204030204" pitchFamily="34" charset="0"/>
+                <a:cs typeface="Times New Roman" panose="02020603050405020304" pitchFamily="18" charset="0"/>
+              </a:rPr>
+              <a:t>Solidity</a:t>
+            </a:r>
+          </a:p>
+          <a:p>
+            <a:pPr>
+              <a:lnSpc>
+                <a:spcPct val="107000"/>
+              </a:lnSpc>
+              <a:spcBef>
+                <a:spcPts val="0"/>
+              </a:spcBef>
+            </a:pPr>
+            <a:endParaRPr lang="en-IN" sz="2000" dirty="0">
+              <a:latin typeface="Calibri" panose="020F0502020204030204" pitchFamily="34" charset="0"/>
+              <a:ea typeface="Calibri" panose="020F0502020204030204" pitchFamily="34" charset="0"/>
+              <a:cs typeface="Times New Roman" panose="02020603050405020304" pitchFamily="18" charset="0"/>
+            </a:endParaRPr>
+          </a:p>
+          <a:p>
+            <a:pPr>
+              <a:lnSpc>
+                <a:spcPct val="107000"/>
+              </a:lnSpc>
+              <a:spcBef>
+                <a:spcPts val="0"/>
+              </a:spcBef>
+            </a:pPr>
+            <a:r>
+              <a:rPr lang="en-IN" sz="2000" dirty="0">
+                <a:latin typeface="Calibri" panose="020F0502020204030204" pitchFamily="34" charset="0"/>
+                <a:ea typeface="Calibri" panose="020F0502020204030204" pitchFamily="34" charset="0"/>
+                <a:cs typeface="Times New Roman" panose="02020603050405020304" pitchFamily="18" charset="0"/>
+              </a:rPr>
+              <a:t>Microsoft Azure </a:t>
+            </a:r>
+            <a:r>
+              <a:rPr lang="en-IN" sz="2000" dirty="0" smtClean="0">
+                <a:latin typeface="Calibri" panose="020F0502020204030204" pitchFamily="34" charset="0"/>
+                <a:ea typeface="Calibri" panose="020F0502020204030204" pitchFamily="34" charset="0"/>
+                <a:cs typeface="Times New Roman" panose="02020603050405020304" pitchFamily="18" charset="0"/>
+              </a:rPr>
+              <a:t>– Cloud Platform to Host the Blockchain </a:t>
+            </a:r>
+            <a:r>
+              <a:rPr lang="en-IN" sz="2000" dirty="0" smtClean="0">
+                <a:latin typeface="Calibri" panose="020F0502020204030204" pitchFamily="34" charset="0"/>
+                <a:ea typeface="Calibri" panose="020F0502020204030204" pitchFamily="34" charset="0"/>
+                <a:cs typeface="Times New Roman" panose="02020603050405020304" pitchFamily="18" charset="0"/>
+              </a:rPr>
+              <a:t>Service</a:t>
+            </a:r>
+          </a:p>
+          <a:p>
+            <a:pPr>
+              <a:lnSpc>
+                <a:spcPct val="107000"/>
+              </a:lnSpc>
+              <a:spcBef>
+                <a:spcPts val="0"/>
+              </a:spcBef>
+            </a:pPr>
+            <a:endParaRPr lang="en-IN" sz="2000" dirty="0">
+              <a:latin typeface="Calibri" panose="020F0502020204030204" pitchFamily="34" charset="0"/>
+              <a:ea typeface="Calibri" panose="020F0502020204030204" pitchFamily="34" charset="0"/>
+              <a:cs typeface="Times New Roman" panose="02020603050405020304" pitchFamily="18" charset="0"/>
+            </a:endParaRPr>
+          </a:p>
+          <a:p>
+            <a:pPr>
+              <a:lnSpc>
+                <a:spcPct val="107000"/>
+              </a:lnSpc>
+              <a:spcBef>
+                <a:spcPts val="0"/>
+              </a:spcBef>
+            </a:pPr>
+            <a:r>
+              <a:rPr lang="en-IN" sz="2000" dirty="0">
+                <a:latin typeface="Calibri" panose="020F0502020204030204" pitchFamily="34" charset="0"/>
+                <a:ea typeface="Calibri" panose="020F0502020204030204" pitchFamily="34" charset="0"/>
+                <a:cs typeface="Times New Roman" panose="02020603050405020304" pitchFamily="18" charset="0"/>
+              </a:rPr>
+              <a:t>Machine </a:t>
+            </a:r>
+            <a:r>
+              <a:rPr lang="en-IN" sz="2000" dirty="0" smtClean="0">
+                <a:latin typeface="Calibri" panose="020F0502020204030204" pitchFamily="34" charset="0"/>
+                <a:ea typeface="Calibri" panose="020F0502020204030204" pitchFamily="34" charset="0"/>
+                <a:cs typeface="Times New Roman" panose="02020603050405020304" pitchFamily="18" charset="0"/>
+              </a:rPr>
+              <a:t>Learning – For Weather and Wind Data </a:t>
+            </a:r>
+            <a:r>
+              <a:rPr lang="en-IN" sz="2000" dirty="0" smtClean="0">
+                <a:latin typeface="Calibri" panose="020F0502020204030204" pitchFamily="34" charset="0"/>
+                <a:ea typeface="Calibri" panose="020F0502020204030204" pitchFamily="34" charset="0"/>
+                <a:cs typeface="Times New Roman" panose="02020603050405020304" pitchFamily="18" charset="0"/>
+              </a:rPr>
+              <a:t>Analysis</a:t>
+            </a:r>
+          </a:p>
+          <a:p>
+            <a:pPr>
+              <a:lnSpc>
+                <a:spcPct val="107000"/>
+              </a:lnSpc>
+              <a:spcBef>
+                <a:spcPts val="0"/>
+              </a:spcBef>
+            </a:pPr>
+            <a:endParaRPr lang="en-IN" sz="2000" dirty="0">
+              <a:latin typeface="Calibri" panose="020F0502020204030204" pitchFamily="34" charset="0"/>
+              <a:ea typeface="Calibri" panose="020F0502020204030204" pitchFamily="34" charset="0"/>
+              <a:cs typeface="Times New Roman" panose="02020603050405020304" pitchFamily="18" charset="0"/>
+            </a:endParaRPr>
+          </a:p>
+          <a:p>
+            <a:pPr>
+              <a:lnSpc>
+                <a:spcPct val="107000"/>
+              </a:lnSpc>
+              <a:spcBef>
+                <a:spcPts val="0"/>
+              </a:spcBef>
+            </a:pPr>
+            <a:r>
+              <a:rPr lang="en-IN" sz="2000" dirty="0">
+                <a:latin typeface="Calibri" panose="020F0502020204030204" pitchFamily="34" charset="0"/>
+                <a:ea typeface="Calibri" panose="020F0502020204030204" pitchFamily="34" charset="0"/>
+                <a:cs typeface="Times New Roman" panose="02020603050405020304" pitchFamily="18" charset="0"/>
+              </a:rPr>
+              <a:t>HTML5, JavaScript, Node.js and </a:t>
+            </a:r>
+            <a:r>
+              <a:rPr lang="en-IN" sz="2000" dirty="0" smtClean="0">
+                <a:latin typeface="Calibri" panose="020F0502020204030204" pitchFamily="34" charset="0"/>
+                <a:ea typeface="Calibri" panose="020F0502020204030204" pitchFamily="34" charset="0"/>
+                <a:cs typeface="Times New Roman" panose="02020603050405020304" pitchFamily="18" charset="0"/>
+              </a:rPr>
+              <a:t>Web3.js – User </a:t>
+            </a:r>
+            <a:r>
+              <a:rPr lang="en-IN" sz="2000" dirty="0" smtClean="0">
+                <a:latin typeface="Calibri" panose="020F0502020204030204" pitchFamily="34" charset="0"/>
+                <a:ea typeface="Calibri" panose="020F0502020204030204" pitchFamily="34" charset="0"/>
+                <a:cs typeface="Times New Roman" panose="02020603050405020304" pitchFamily="18" charset="0"/>
+              </a:rPr>
+              <a:t>Interface</a:t>
+            </a:r>
+          </a:p>
+          <a:p>
+            <a:pPr>
+              <a:lnSpc>
+                <a:spcPct val="107000"/>
+              </a:lnSpc>
+              <a:spcBef>
+                <a:spcPts val="0"/>
+              </a:spcBef>
+            </a:pPr>
+            <a:endParaRPr lang="en-IN" sz="2000" dirty="0">
+              <a:latin typeface="Calibri" panose="020F0502020204030204" pitchFamily="34" charset="0"/>
+              <a:ea typeface="Calibri" panose="020F0502020204030204" pitchFamily="34" charset="0"/>
+              <a:cs typeface="Times New Roman" panose="02020603050405020304" pitchFamily="18" charset="0"/>
+            </a:endParaRPr>
+          </a:p>
+          <a:p>
+            <a:pPr>
+              <a:lnSpc>
+                <a:spcPct val="107000"/>
+              </a:lnSpc>
+              <a:spcBef>
+                <a:spcPts val="0"/>
+              </a:spcBef>
+            </a:pPr>
+            <a:r>
+              <a:rPr lang="en-IN" sz="2000" dirty="0" err="1">
+                <a:latin typeface="Calibri" panose="020F0502020204030204" pitchFamily="34" charset="0"/>
+                <a:ea typeface="Calibri" panose="020F0502020204030204" pitchFamily="34" charset="0"/>
+                <a:cs typeface="Times New Roman" panose="02020603050405020304" pitchFamily="18" charset="0"/>
+              </a:rPr>
+              <a:t>Ropsten</a:t>
+            </a:r>
+            <a:r>
+              <a:rPr lang="en-IN" sz="2000" dirty="0">
+                <a:latin typeface="Calibri" panose="020F0502020204030204" pitchFamily="34" charset="0"/>
+                <a:ea typeface="Calibri" panose="020F0502020204030204" pitchFamily="34" charset="0"/>
+                <a:cs typeface="Times New Roman" panose="02020603050405020304" pitchFamily="18" charset="0"/>
+              </a:rPr>
+              <a:t> </a:t>
+            </a:r>
+            <a:r>
+              <a:rPr lang="en-IN" sz="2000" dirty="0" err="1" smtClean="0">
+                <a:latin typeface="Calibri" panose="020F0502020204030204" pitchFamily="34" charset="0"/>
+                <a:ea typeface="Calibri" panose="020F0502020204030204" pitchFamily="34" charset="0"/>
+                <a:cs typeface="Times New Roman" panose="02020603050405020304" pitchFamily="18" charset="0"/>
+              </a:rPr>
+              <a:t>TestNet</a:t>
+            </a:r>
+            <a:r>
+              <a:rPr lang="en-IN" sz="2000" dirty="0" smtClean="0">
+                <a:latin typeface="Calibri" panose="020F0502020204030204" pitchFamily="34" charset="0"/>
+                <a:ea typeface="Calibri" panose="020F0502020204030204" pitchFamily="34" charset="0"/>
+                <a:cs typeface="Times New Roman" panose="02020603050405020304" pitchFamily="18" charset="0"/>
+              </a:rPr>
+              <a:t> – Test </a:t>
+            </a:r>
+            <a:r>
+              <a:rPr lang="en-IN" sz="2000" dirty="0" smtClean="0">
+                <a:latin typeface="Calibri" panose="020F0502020204030204" pitchFamily="34" charset="0"/>
+                <a:ea typeface="Calibri" panose="020F0502020204030204" pitchFamily="34" charset="0"/>
+                <a:cs typeface="Times New Roman" panose="02020603050405020304" pitchFamily="18" charset="0"/>
+              </a:rPr>
+              <a:t>Framework</a:t>
+            </a:r>
+          </a:p>
+          <a:p>
+            <a:pPr>
+              <a:lnSpc>
+                <a:spcPct val="107000"/>
+              </a:lnSpc>
+              <a:spcBef>
+                <a:spcPts val="0"/>
+              </a:spcBef>
+            </a:pPr>
+            <a:endParaRPr lang="en-IN" sz="2000" dirty="0">
+              <a:latin typeface="Calibri" panose="020F0502020204030204" pitchFamily="34" charset="0"/>
+              <a:ea typeface="Calibri" panose="020F0502020204030204" pitchFamily="34" charset="0"/>
+              <a:cs typeface="Times New Roman" panose="02020603050405020304" pitchFamily="18" charset="0"/>
+            </a:endParaRPr>
+          </a:p>
+          <a:p>
+            <a:pPr>
+              <a:lnSpc>
+                <a:spcPct val="107000"/>
+              </a:lnSpc>
+              <a:spcBef>
+                <a:spcPts val="0"/>
+              </a:spcBef>
+            </a:pPr>
+            <a:r>
+              <a:rPr lang="en-IN" sz="2000" dirty="0">
+                <a:latin typeface="Calibri" panose="020F0502020204030204" pitchFamily="34" charset="0"/>
+                <a:ea typeface="Calibri" panose="020F0502020204030204" pitchFamily="34" charset="0"/>
+                <a:cs typeface="Times New Roman" panose="02020603050405020304" pitchFamily="18" charset="0"/>
+              </a:rPr>
+              <a:t>Truffle </a:t>
+            </a:r>
+            <a:r>
+              <a:rPr lang="en-IN" sz="2000" dirty="0" smtClean="0">
+                <a:latin typeface="Calibri" panose="020F0502020204030204" pitchFamily="34" charset="0"/>
+                <a:ea typeface="Calibri" panose="020F0502020204030204" pitchFamily="34" charset="0"/>
+                <a:cs typeface="Times New Roman" panose="02020603050405020304" pitchFamily="18" charset="0"/>
+              </a:rPr>
+              <a:t>framework</a:t>
+            </a:r>
+          </a:p>
+          <a:p>
+            <a:pPr>
+              <a:lnSpc>
+                <a:spcPct val="107000"/>
+              </a:lnSpc>
+              <a:spcBef>
+                <a:spcPts val="0"/>
+              </a:spcBef>
+            </a:pPr>
+            <a:endParaRPr lang="en-IN" sz="2000" dirty="0">
+              <a:latin typeface="Calibri" panose="020F0502020204030204" pitchFamily="34" charset="0"/>
+              <a:ea typeface="Calibri" panose="020F0502020204030204" pitchFamily="34" charset="0"/>
+              <a:cs typeface="Times New Roman" panose="02020603050405020304" pitchFamily="18" charset="0"/>
+            </a:endParaRPr>
+          </a:p>
+          <a:p>
+            <a:pPr>
+              <a:lnSpc>
+                <a:spcPct val="107000"/>
+              </a:lnSpc>
+              <a:spcBef>
+                <a:spcPts val="0"/>
+              </a:spcBef>
+            </a:pPr>
+            <a:r>
+              <a:rPr lang="en-IN" sz="2000" dirty="0" err="1" smtClean="0">
+                <a:latin typeface="Calibri" panose="020F0502020204030204" pitchFamily="34" charset="0"/>
+                <a:ea typeface="Calibri" panose="020F0502020204030204" pitchFamily="34" charset="0"/>
+                <a:cs typeface="Times New Roman" panose="02020603050405020304" pitchFamily="18" charset="0"/>
+              </a:rPr>
+              <a:t>MetaMask</a:t>
+            </a:r>
+            <a:r>
+              <a:rPr lang="en-IN" sz="2000" dirty="0" smtClean="0">
+                <a:latin typeface="Calibri" panose="020F0502020204030204" pitchFamily="34" charset="0"/>
+                <a:ea typeface="Calibri" panose="020F0502020204030204" pitchFamily="34" charset="0"/>
+                <a:cs typeface="Times New Roman" panose="02020603050405020304" pitchFamily="18" charset="0"/>
+              </a:rPr>
+              <a:t> – Digital Wallet </a:t>
+            </a:r>
+            <a:r>
+              <a:rPr lang="en-IN" sz="2000" dirty="0" smtClean="0">
+                <a:latin typeface="Calibri" panose="020F0502020204030204" pitchFamily="34" charset="0"/>
+                <a:ea typeface="Calibri" panose="020F0502020204030204" pitchFamily="34" charset="0"/>
+                <a:cs typeface="Times New Roman" panose="02020603050405020304" pitchFamily="18" charset="0"/>
+              </a:rPr>
+              <a:t>Provider</a:t>
+            </a:r>
+          </a:p>
+          <a:p>
+            <a:pPr>
+              <a:lnSpc>
+                <a:spcPct val="107000"/>
+              </a:lnSpc>
+              <a:spcBef>
+                <a:spcPts val="0"/>
+              </a:spcBef>
+            </a:pPr>
+            <a:endParaRPr lang="en-IN" sz="2000" dirty="0">
+              <a:latin typeface="Calibri" panose="020F0502020204030204" pitchFamily="34" charset="0"/>
+              <a:ea typeface="Calibri" panose="020F0502020204030204" pitchFamily="34" charset="0"/>
+              <a:cs typeface="Times New Roman" panose="02020603050405020304" pitchFamily="18" charset="0"/>
+            </a:endParaRPr>
+          </a:p>
+          <a:p>
+            <a:pPr>
+              <a:lnSpc>
+                <a:spcPct val="107000"/>
+              </a:lnSpc>
+              <a:spcBef>
+                <a:spcPts val="0"/>
+              </a:spcBef>
+            </a:pPr>
+            <a:r>
+              <a:rPr lang="en-IN" sz="2000" dirty="0">
+                <a:latin typeface="Calibri" panose="020F0502020204030204" pitchFamily="34" charset="0"/>
+                <a:ea typeface="Calibri" panose="020F0502020204030204" pitchFamily="34" charset="0"/>
+                <a:cs typeface="Times New Roman" panose="02020603050405020304" pitchFamily="18" charset="0"/>
+              </a:rPr>
+              <a:t>Remix </a:t>
+            </a:r>
+            <a:r>
+              <a:rPr lang="en-IN" sz="2000" dirty="0" smtClean="0">
+                <a:latin typeface="Calibri" panose="020F0502020204030204" pitchFamily="34" charset="0"/>
+                <a:ea typeface="Calibri" panose="020F0502020204030204" pitchFamily="34" charset="0"/>
+                <a:cs typeface="Times New Roman" panose="02020603050405020304" pitchFamily="18" charset="0"/>
+              </a:rPr>
+              <a:t>IDE – Development </a:t>
+            </a:r>
+            <a:r>
+              <a:rPr lang="en-IN" sz="2000" dirty="0" smtClean="0">
+                <a:latin typeface="Calibri" panose="020F0502020204030204" pitchFamily="34" charset="0"/>
+                <a:ea typeface="Calibri" panose="020F0502020204030204" pitchFamily="34" charset="0"/>
+                <a:cs typeface="Times New Roman" panose="02020603050405020304" pitchFamily="18" charset="0"/>
+              </a:rPr>
+              <a:t>Environment</a:t>
+            </a:r>
+          </a:p>
+          <a:p>
+            <a:pPr>
+              <a:lnSpc>
+                <a:spcPct val="107000"/>
+              </a:lnSpc>
+              <a:spcBef>
+                <a:spcPts val="0"/>
+              </a:spcBef>
+            </a:pPr>
+            <a:endParaRPr lang="en-IN" sz="2000" dirty="0">
+              <a:latin typeface="Calibri" panose="020F0502020204030204" pitchFamily="34" charset="0"/>
+              <a:ea typeface="Calibri" panose="020F0502020204030204" pitchFamily="34" charset="0"/>
+              <a:cs typeface="Times New Roman" panose="02020603050405020304" pitchFamily="18" charset="0"/>
+            </a:endParaRPr>
+          </a:p>
+          <a:p>
+            <a:pPr>
+              <a:lnSpc>
+                <a:spcPct val="107000"/>
+              </a:lnSpc>
+              <a:spcBef>
+                <a:spcPts val="0"/>
+              </a:spcBef>
+            </a:pPr>
+            <a:r>
+              <a:rPr lang="en-IN" sz="2000" dirty="0" smtClean="0">
+                <a:latin typeface="Calibri" panose="020F0502020204030204" pitchFamily="34" charset="0"/>
+                <a:ea typeface="Calibri" panose="020F0502020204030204" pitchFamily="34" charset="0"/>
+                <a:cs typeface="Times New Roman" panose="02020603050405020304" pitchFamily="18" charset="0"/>
+              </a:rPr>
+              <a:t>Mobility – Mobile Interface</a:t>
+            </a:r>
+            <a:endParaRPr lang="en-US" sz="2000" dirty="0" smtClean="0">
+              <a:latin typeface="Calibri" panose="020F0502020204030204" pitchFamily="34" charset="0"/>
+              <a:ea typeface="Calibri" panose="020F0502020204030204" pitchFamily="34" charset="0"/>
+              <a:cs typeface="Times New Roman" panose="02020603050405020304" pitchFamily="18" charset="0"/>
+            </a:endParaRPr>
+          </a:p>
+          <a:p>
+            <a:pPr lvl="0">
+              <a:lnSpc>
+                <a:spcPct val="107000"/>
+              </a:lnSpc>
+              <a:spcBef>
+                <a:spcPts val="0"/>
+              </a:spcBef>
+              <a:buFont typeface="Symbol" panose="05050102010706020507" pitchFamily="18" charset="2"/>
+              <a:buChar char=""/>
+            </a:pPr>
+            <a:endParaRPr lang="en-US" dirty="0" smtClean="0">
+              <a:latin typeface="Calibri" panose="020F0502020204030204" pitchFamily="34" charset="0"/>
+              <a:ea typeface="Calibri" panose="020F0502020204030204" pitchFamily="34" charset="0"/>
+              <a:cs typeface="Times New Roman" panose="02020603050405020304" pitchFamily="18" charset="0"/>
+            </a:endParaRPr>
+          </a:p>
+          <a:p>
+            <a:pPr lvl="0">
+              <a:lnSpc>
+                <a:spcPct val="107000"/>
+              </a:lnSpc>
+              <a:spcBef>
+                <a:spcPts val="0"/>
+              </a:spcBef>
+              <a:buFont typeface="Symbol" panose="05050102010706020507" pitchFamily="18" charset="2"/>
+              <a:buChar char=""/>
+            </a:pPr>
+            <a:endParaRPr lang="en-US" dirty="0">
+              <a:latin typeface="Calibri" panose="020F0502020204030204" pitchFamily="34" charset="0"/>
+              <a:ea typeface="Calibri" panose="020F0502020204030204" pitchFamily="34" charset="0"/>
+              <a:cs typeface="Times New Roman" panose="02020603050405020304" pitchFamily="18" charset="0"/>
+            </a:endParaRPr>
           </a:p>
         </p:txBody>
       </p:sp>
@@ -4432,7 +4858,7 @@
           <p:cNvPr id="4" name="Slide Number Placeholder 3">
             <a:extLst>
               <a:ext uri="{FF2B5EF4-FFF2-40B4-BE49-F238E27FC236}">
-                <a16:creationId xmlns:a16="http://schemas.microsoft.com/office/drawing/2014/main" id="{ED112E45-08B5-4810-AA0F-3DDD82E887C1}"/>
+                <a16:creationId xmlns:a16="http://schemas.microsoft.com/office/drawing/2014/main" id="{3316F4E0-730A-4FEE-9017-EE74B1C06734}"/>
               </a:ext>
             </a:extLst>
           </p:cNvPr>
@@ -4457,91 +4883,10 @@
           </a:p>
         </p:txBody>
       </p:sp>
-      <p:sp>
-        <p:nvSpPr>
-          <p:cNvPr id="5" name="Title 1">
-            <a:extLst>
-              <a:ext uri="{FF2B5EF4-FFF2-40B4-BE49-F238E27FC236}">
-                <a16:creationId xmlns:a16="http://schemas.microsoft.com/office/drawing/2014/main" id="{BD13EB1C-7B6B-4D07-AF79-AF0F1FB29BDA}"/>
-              </a:ext>
-            </a:extLst>
-          </p:cNvPr>
-          <p:cNvSpPr txBox="1">
-            <a:spLocks/>
-          </p:cNvSpPr>
-          <p:nvPr/>
-        </p:nvSpPr>
-        <p:spPr>
-          <a:xfrm>
-            <a:off x="838200" y="3665863"/>
-            <a:ext cx="10515600" cy="2201537"/>
-          </a:xfrm>
-          <a:prstGeom prst="rect">
-            <a:avLst/>
-          </a:prstGeom>
-        </p:spPr>
-        <p:txBody>
-          <a:bodyPr vert="horz" lIns="91440" tIns="45720" rIns="91440" bIns="45720" rtlCol="0" anchor="ctr">
-            <a:normAutofit/>
-          </a:bodyPr>
-          <a:lstStyle>
-            <a:lvl1pPr algn="l" defTabSz="914400" rtl="0" eaLnBrk="1" latinLnBrk="0" hangingPunct="1">
-              <a:lnSpc>
-                <a:spcPct val="90000"/>
-              </a:lnSpc>
-              <a:spcBef>
-                <a:spcPct val="0"/>
-              </a:spcBef>
-              <a:buNone/>
-              <a:defRPr sz="4400" kern="1200">
-                <a:solidFill>
-                  <a:schemeClr val="tx1"/>
-                </a:solidFill>
-                <a:latin typeface="+mj-lt"/>
-                <a:ea typeface="+mj-ea"/>
-                <a:cs typeface="+mj-cs"/>
-              </a:defRPr>
-            </a:lvl1pPr>
-          </a:lstStyle>
-          <a:p>
-            <a:pPr algn="ctr"/>
-            <a:r>
-              <a:rPr lang="en-US" sz="1800" dirty="0" smtClean="0"/>
-              <a:t>Team Super Programmers</a:t>
-            </a:r>
-          </a:p>
-          <a:p>
-            <a:pPr algn="ctr"/>
-            <a:endParaRPr lang="en-US" sz="1800" dirty="0"/>
-          </a:p>
-          <a:p>
-            <a:pPr algn="ctr"/>
-            <a:r>
-              <a:rPr lang="en-US" sz="1800" b="1" dirty="0" smtClean="0"/>
-              <a:t>Parvez Mulla</a:t>
-            </a:r>
-          </a:p>
-          <a:p>
-            <a:pPr algn="ctr"/>
-            <a:r>
-              <a:rPr lang="en-US" sz="1800" dirty="0" smtClean="0"/>
-              <a:t>and</a:t>
-            </a:r>
-          </a:p>
-          <a:p>
-            <a:pPr algn="ctr"/>
-            <a:r>
-              <a:rPr lang="en-US" sz="1800" b="1" dirty="0" smtClean="0"/>
-              <a:t>Sachin Jegaonkar</a:t>
-            </a:r>
-            <a:endParaRPr lang="x-none" sz="1800" b="1" dirty="0"/>
-          </a:p>
-        </p:txBody>
-      </p:sp>
     </p:spTree>
     <p:extLst>
       <p:ext uri="{BB962C8B-B14F-4D97-AF65-F5344CB8AC3E}">
-        <p14:creationId xmlns:p14="http://schemas.microsoft.com/office/powerpoint/2010/main" val="2756391746"/>
+        <p14:creationId xmlns:p14="http://schemas.microsoft.com/office/powerpoint/2010/main" val="2710496697"/>
       </p:ext>
     </p:extLst>
   </p:cSld>
@@ -4580,7 +4925,7 @@
           <p:cNvPr id="2" name="Title 1">
             <a:extLst>
               <a:ext uri="{FF2B5EF4-FFF2-40B4-BE49-F238E27FC236}">
-                <a16:creationId xmlns:a16="http://schemas.microsoft.com/office/drawing/2014/main" id="{1779BDB0-0623-40E9-B781-44E6D411EFB4}"/>
+                <a16:creationId xmlns:a16="http://schemas.microsoft.com/office/drawing/2014/main" id="{FE1401C1-B4D1-4DB1-8423-84A5863BEF30}"/>
               </a:ext>
             </a:extLst>
           </p:cNvPr>
@@ -4598,15 +4943,7 @@
           <a:p>
             <a:r>
               <a:rPr lang="en-US" dirty="0" smtClean="0"/>
-              <a:t>Extended Work – </a:t>
-            </a:r>
-            <a:r>
-              <a:rPr lang="en-US" dirty="0"/>
-              <a:t>Application is </a:t>
-            </a:r>
-            <a:r>
-              <a:rPr lang="en-US" dirty="0" smtClean="0"/>
-              <a:t>Scalable</a:t>
+              <a:t>Deliverables</a:t>
             </a:r>
             <a:endParaRPr lang="x-none" dirty="0"/>
           </a:p>
@@ -4617,7 +4954,7 @@
           <p:cNvPr id="3" name="Content Placeholder 2">
             <a:extLst>
               <a:ext uri="{FF2B5EF4-FFF2-40B4-BE49-F238E27FC236}">
-                <a16:creationId xmlns:a16="http://schemas.microsoft.com/office/drawing/2014/main" id="{ABAB2B9B-CA20-4EAC-A3AB-8F8EE5B74611}"/>
+                <a16:creationId xmlns:a16="http://schemas.microsoft.com/office/drawing/2014/main" id="{F3BCB68E-A995-4B03-A068-DCE5C88FF8F5}"/>
               </a:ext>
             </a:extLst>
           </p:cNvPr>
@@ -4630,72 +4967,151 @@
         </p:nvSpPr>
         <p:spPr/>
         <p:txBody>
-          <a:bodyPr/>
-          <a:lstStyle/>
-          <a:p>
-            <a:r>
-              <a:rPr lang="en-IN" dirty="0" smtClean="0"/>
-              <a:t>Scale this solution to Transform </a:t>
-            </a:r>
-            <a:r>
-              <a:rPr lang="en-IN" dirty="0"/>
-              <a:t>the </a:t>
-            </a:r>
-            <a:r>
-              <a:rPr lang="en-IN" dirty="0" smtClean="0"/>
-              <a:t>Way Crops </a:t>
-            </a:r>
-            <a:r>
-              <a:rPr lang="en-IN" dirty="0"/>
-              <a:t>or </a:t>
-            </a:r>
-            <a:r>
-              <a:rPr lang="en-IN" dirty="0" smtClean="0"/>
-              <a:t>Food Items </a:t>
-            </a:r>
-            <a:r>
-              <a:rPr lang="en-IN" dirty="0"/>
-              <a:t>are </a:t>
-            </a:r>
-            <a:r>
-              <a:rPr lang="en-IN" dirty="0" smtClean="0"/>
-              <a:t>Produced </a:t>
-            </a:r>
-            <a:r>
-              <a:rPr lang="en-IN" dirty="0"/>
-              <a:t>to </a:t>
-            </a:r>
-            <a:r>
-              <a:rPr lang="en-IN" dirty="0" smtClean="0"/>
-              <a:t>Improve the Quality </a:t>
-            </a:r>
-            <a:r>
-              <a:rPr lang="en-IN" dirty="0"/>
-              <a:t>Control and Food </a:t>
-            </a:r>
-            <a:r>
-              <a:rPr lang="en-IN" dirty="0" smtClean="0"/>
-              <a:t>Safety</a:t>
-            </a:r>
-            <a:endParaRPr lang="en-US" dirty="0" smtClean="0"/>
-          </a:p>
-          <a:p>
-            <a:endParaRPr lang="en-US" dirty="0" smtClean="0"/>
-          </a:p>
-          <a:p>
-            <a:r>
-              <a:rPr lang="en-US" dirty="0" smtClean="0"/>
-              <a:t>Scale this solution to Improve the </a:t>
-            </a:r>
-            <a:r>
-              <a:rPr lang="en-IN" dirty="0"/>
-              <a:t>Traceability in the Supply Chain and to </a:t>
-            </a:r>
-            <a:r>
-              <a:rPr lang="en-IN" dirty="0" smtClean="0"/>
-              <a:t>Reduce the Food Frauds</a:t>
-            </a:r>
-            <a:endParaRPr lang="x-none" dirty="0"/>
+          <a:bodyPr>
+            <a:normAutofit/>
+          </a:bodyPr>
+          <a:lstStyle/>
+          <a:p>
+            <a:pPr>
+              <a:lnSpc>
+                <a:spcPct val="107000"/>
+              </a:lnSpc>
+              <a:spcBef>
+                <a:spcPts val="0"/>
+              </a:spcBef>
+            </a:pPr>
+            <a:r>
+              <a:rPr lang="en-US" sz="2000" dirty="0" smtClean="0">
+                <a:latin typeface="Calibri" panose="020F0502020204030204" pitchFamily="34" charset="0"/>
+                <a:ea typeface="Calibri" panose="020F0502020204030204" pitchFamily="34" charset="0"/>
+                <a:cs typeface="Times New Roman" panose="02020603050405020304" pitchFamily="18" charset="0"/>
+              </a:rPr>
+              <a:t>UI (User Interface)</a:t>
+            </a:r>
+          </a:p>
+          <a:p>
+            <a:pPr>
+              <a:lnSpc>
+                <a:spcPct val="107000"/>
+              </a:lnSpc>
+              <a:spcBef>
+                <a:spcPts val="0"/>
+              </a:spcBef>
+            </a:pPr>
+            <a:endParaRPr lang="en-US" sz="2000" dirty="0" smtClean="0">
+              <a:latin typeface="Calibri" panose="020F0502020204030204" pitchFamily="34" charset="0"/>
+              <a:ea typeface="Calibri" panose="020F0502020204030204" pitchFamily="34" charset="0"/>
+              <a:cs typeface="Times New Roman" panose="02020603050405020304" pitchFamily="18" charset="0"/>
+            </a:endParaRPr>
+          </a:p>
+          <a:p>
+            <a:pPr>
+              <a:lnSpc>
+                <a:spcPct val="107000"/>
+              </a:lnSpc>
+              <a:spcBef>
+                <a:spcPts val="0"/>
+              </a:spcBef>
+            </a:pPr>
+            <a:r>
+              <a:rPr lang="en-US" sz="2000" dirty="0" err="1" smtClean="0">
+                <a:latin typeface="Calibri" panose="020F0502020204030204" pitchFamily="34" charset="0"/>
+                <a:ea typeface="Calibri" panose="020F0502020204030204" pitchFamily="34" charset="0"/>
+                <a:cs typeface="Times New Roman" panose="02020603050405020304" pitchFamily="18" charset="0"/>
+              </a:rPr>
+              <a:t>DApp</a:t>
+            </a:r>
+            <a:r>
+              <a:rPr lang="en-US" sz="2000" dirty="0" smtClean="0">
+                <a:latin typeface="Calibri" panose="020F0502020204030204" pitchFamily="34" charset="0"/>
+                <a:ea typeface="Calibri" panose="020F0502020204030204" pitchFamily="34" charset="0"/>
+                <a:cs typeface="Times New Roman" panose="02020603050405020304" pitchFamily="18" charset="0"/>
+              </a:rPr>
+              <a:t> (Middleware to connect to Blockchain)</a:t>
+            </a:r>
+          </a:p>
+          <a:p>
+            <a:pPr>
+              <a:lnSpc>
+                <a:spcPct val="107000"/>
+              </a:lnSpc>
+              <a:spcBef>
+                <a:spcPts val="0"/>
+              </a:spcBef>
+            </a:pPr>
+            <a:endParaRPr lang="en-US" sz="2000" dirty="0" smtClean="0">
+              <a:latin typeface="Calibri" panose="020F0502020204030204" pitchFamily="34" charset="0"/>
+              <a:ea typeface="Calibri" panose="020F0502020204030204" pitchFamily="34" charset="0"/>
+              <a:cs typeface="Times New Roman" panose="02020603050405020304" pitchFamily="18" charset="0"/>
+            </a:endParaRPr>
+          </a:p>
+          <a:p>
+            <a:pPr>
+              <a:lnSpc>
+                <a:spcPct val="107000"/>
+              </a:lnSpc>
+              <a:spcBef>
+                <a:spcPts val="0"/>
+              </a:spcBef>
+            </a:pPr>
+            <a:r>
+              <a:rPr lang="en-US" sz="2000" dirty="0" smtClean="0">
+                <a:latin typeface="Calibri" panose="020F0502020204030204" pitchFamily="34" charset="0"/>
+                <a:ea typeface="Calibri" panose="020F0502020204030204" pitchFamily="34" charset="0"/>
+                <a:cs typeface="Times New Roman" panose="02020603050405020304" pitchFamily="18" charset="0"/>
+              </a:rPr>
+              <a:t>Smart Contracts</a:t>
+            </a:r>
+          </a:p>
+          <a:p>
+            <a:pPr>
+              <a:lnSpc>
+                <a:spcPct val="107000"/>
+              </a:lnSpc>
+              <a:spcBef>
+                <a:spcPts val="0"/>
+              </a:spcBef>
+            </a:pPr>
+            <a:endParaRPr lang="en-US" sz="2000" dirty="0" smtClean="0">
+              <a:latin typeface="Calibri" panose="020F0502020204030204" pitchFamily="34" charset="0"/>
+              <a:ea typeface="Calibri" panose="020F0502020204030204" pitchFamily="34" charset="0"/>
+              <a:cs typeface="Times New Roman" panose="02020603050405020304" pitchFamily="18" charset="0"/>
+            </a:endParaRPr>
+          </a:p>
+          <a:p>
+            <a:pPr>
+              <a:lnSpc>
+                <a:spcPct val="107000"/>
+              </a:lnSpc>
+              <a:spcBef>
+                <a:spcPts val="0"/>
+              </a:spcBef>
+            </a:pPr>
+            <a:r>
+              <a:rPr lang="en-US" sz="2000" dirty="0" smtClean="0">
+                <a:latin typeface="Calibri" panose="020F0502020204030204" pitchFamily="34" charset="0"/>
+                <a:ea typeface="Calibri" panose="020F0502020204030204" pitchFamily="34" charset="0"/>
+                <a:cs typeface="Times New Roman" panose="02020603050405020304" pitchFamily="18" charset="0"/>
+              </a:rPr>
+              <a:t>The Ethereum based Blockchain Network</a:t>
+            </a:r>
+          </a:p>
+          <a:p>
+            <a:pPr lvl="0">
+              <a:lnSpc>
+                <a:spcPct val="107000"/>
+              </a:lnSpc>
+              <a:spcBef>
+                <a:spcPts val="0"/>
+              </a:spcBef>
+              <a:buFont typeface="Symbol" panose="05050102010706020507" pitchFamily="18" charset="2"/>
+              <a:buChar char=""/>
+            </a:pPr>
+            <a:endParaRPr lang="en-US" dirty="0">
+              <a:latin typeface="Calibri" panose="020F0502020204030204" pitchFamily="34" charset="0"/>
+              <a:ea typeface="Calibri" panose="020F0502020204030204" pitchFamily="34" charset="0"/>
+              <a:cs typeface="Times New Roman" panose="02020603050405020304" pitchFamily="18" charset="0"/>
+            </a:endParaRPr>
           </a:p>
         </p:txBody>
       </p:sp>
@@ -4704,7 +5120,7 @@
           <p:cNvPr id="4" name="Slide Number Placeholder 3">
             <a:extLst>
               <a:ext uri="{FF2B5EF4-FFF2-40B4-BE49-F238E27FC236}">
-                <a16:creationId xmlns:a16="http://schemas.microsoft.com/office/drawing/2014/main" id="{130709BF-4E90-4F76-97D9-AC71C1A4E636}"/>
+                <a16:creationId xmlns:a16="http://schemas.microsoft.com/office/drawing/2014/main" id="{3316F4E0-730A-4FEE-9017-EE74B1C06734}"/>
               </a:ext>
             </a:extLst>
           </p:cNvPr>
@@ -4724,6 +5140,384 @@
               <a:rPr lang="x-none" smtClean="0"/>
               <a:pPr/>
               <a:t>12</a:t>
+            </a:fld>
+            <a:endParaRPr lang="x-none"/>
+          </a:p>
+        </p:txBody>
+      </p:sp>
+    </p:spTree>
+    <p:extLst>
+      <p:ext uri="{BB962C8B-B14F-4D97-AF65-F5344CB8AC3E}">
+        <p14:creationId xmlns:p14="http://schemas.microsoft.com/office/powerpoint/2010/main" val="2710496697"/>
+      </p:ext>
+    </p:extLst>
+  </p:cSld>
+  <p:clrMapOvr>
+    <a:masterClrMapping/>
+  </p:clrMapOvr>
+  <p:timing>
+    <p:tnLst>
+      <p:par>
+        <p:cTn id="1" dur="indefinite" restart="never" nodeType="tmRoot"/>
+      </p:par>
+    </p:tnLst>
+  </p:timing>
+</p:sld>
+</file>
+
+<file path=ppt/slides/slide13.xml><?xml version="1.0" encoding="utf-8"?>
+<p:sld xmlns:a="http://schemas.openxmlformats.org/drawingml/2006/main" xmlns:r="http://schemas.openxmlformats.org/officeDocument/2006/relationships" xmlns:p="http://schemas.openxmlformats.org/presentationml/2006/main">
+  <p:cSld>
+    <p:spTree>
+      <p:nvGrpSpPr>
+        <p:cNvPr id="1" name=""/>
+        <p:cNvGrpSpPr/>
+        <p:nvPr/>
+      </p:nvGrpSpPr>
+      <p:grpSpPr>
+        <a:xfrm>
+          <a:off x="0" y="0"/>
+          <a:ext cx="0" cy="0"/>
+          <a:chOff x="0" y="0"/>
+          <a:chExt cx="0" cy="0"/>
+        </a:xfrm>
+      </p:grpSpPr>
+      <p:sp>
+        <p:nvSpPr>
+          <p:cNvPr id="2" name="Title 1">
+            <a:extLst>
+              <a:ext uri="{FF2B5EF4-FFF2-40B4-BE49-F238E27FC236}">
+                <a16:creationId xmlns:a16="http://schemas.microsoft.com/office/drawing/2014/main" id="{BD13EB1C-7B6B-4D07-AF79-AF0F1FB29BDA}"/>
+              </a:ext>
+            </a:extLst>
+          </p:cNvPr>
+          <p:cNvSpPr>
+            <a:spLocks noGrp="1"/>
+          </p:cNvSpPr>
+          <p:nvPr>
+            <p:ph type="title"/>
+          </p:nvPr>
+        </p:nvSpPr>
+        <p:spPr>
+          <a:xfrm>
+            <a:off x="838200" y="2511977"/>
+            <a:ext cx="10515600" cy="1325563"/>
+          </a:xfrm>
+        </p:spPr>
+        <p:txBody>
+          <a:bodyPr>
+            <a:normAutofit/>
+          </a:bodyPr>
+          <a:lstStyle/>
+          <a:p>
+            <a:pPr algn="ctr"/>
+            <a:r>
+              <a:rPr lang="en-US" sz="6600" dirty="0"/>
+              <a:t>Thank you</a:t>
+            </a:r>
+            <a:endParaRPr lang="x-none" sz="6600" dirty="0"/>
+          </a:p>
+        </p:txBody>
+      </p:sp>
+      <p:sp>
+        <p:nvSpPr>
+          <p:cNvPr id="4" name="Slide Number Placeholder 3">
+            <a:extLst>
+              <a:ext uri="{FF2B5EF4-FFF2-40B4-BE49-F238E27FC236}">
+                <a16:creationId xmlns:a16="http://schemas.microsoft.com/office/drawing/2014/main" id="{ED112E45-08B5-4810-AA0F-3DDD82E887C1}"/>
+              </a:ext>
+            </a:extLst>
+          </p:cNvPr>
+          <p:cNvSpPr>
+            <a:spLocks noGrp="1"/>
+          </p:cNvSpPr>
+          <p:nvPr>
+            <p:ph type="sldNum" sz="quarter" idx="12"/>
+          </p:nvPr>
+        </p:nvSpPr>
+        <p:spPr/>
+        <p:txBody>
+          <a:bodyPr/>
+          <a:lstStyle/>
+          <a:p>
+            <a:fld id="{1BEDFFD4-B6F5-47F1-AF42-063036A3A505}" type="slidenum">
+              <a:rPr lang="x-none" smtClean="0"/>
+              <a:pPr/>
+              <a:t>13</a:t>
+            </a:fld>
+            <a:endParaRPr lang="x-none"/>
+          </a:p>
+        </p:txBody>
+      </p:sp>
+      <p:sp>
+        <p:nvSpPr>
+          <p:cNvPr id="5" name="Title 1">
+            <a:extLst>
+              <a:ext uri="{FF2B5EF4-FFF2-40B4-BE49-F238E27FC236}">
+                <a16:creationId xmlns:a16="http://schemas.microsoft.com/office/drawing/2014/main" id="{BD13EB1C-7B6B-4D07-AF79-AF0F1FB29BDA}"/>
+              </a:ext>
+            </a:extLst>
+          </p:cNvPr>
+          <p:cNvSpPr txBox="1">
+            <a:spLocks/>
+          </p:cNvSpPr>
+          <p:nvPr/>
+        </p:nvSpPr>
+        <p:spPr>
+          <a:xfrm>
+            <a:off x="838200" y="3665863"/>
+            <a:ext cx="10515600" cy="2201537"/>
+          </a:xfrm>
+          <a:prstGeom prst="rect">
+            <a:avLst/>
+          </a:prstGeom>
+        </p:spPr>
+        <p:txBody>
+          <a:bodyPr vert="horz" lIns="91440" tIns="45720" rIns="91440" bIns="45720" rtlCol="0" anchor="ctr">
+            <a:normAutofit/>
+          </a:bodyPr>
+          <a:lstStyle>
+            <a:lvl1pPr algn="l" defTabSz="914400" rtl="0" eaLnBrk="1" latinLnBrk="0" hangingPunct="1">
+              <a:lnSpc>
+                <a:spcPct val="90000"/>
+              </a:lnSpc>
+              <a:spcBef>
+                <a:spcPct val="0"/>
+              </a:spcBef>
+              <a:buNone/>
+              <a:defRPr sz="4400" kern="1200">
+                <a:solidFill>
+                  <a:schemeClr val="tx1"/>
+                </a:solidFill>
+                <a:latin typeface="+mj-lt"/>
+                <a:ea typeface="+mj-ea"/>
+                <a:cs typeface="+mj-cs"/>
+              </a:defRPr>
+            </a:lvl1pPr>
+          </a:lstStyle>
+          <a:p>
+            <a:pPr algn="ctr"/>
+            <a:r>
+              <a:rPr lang="en-US" sz="1800" dirty="0" smtClean="0"/>
+              <a:t>Team Super Programmers</a:t>
+            </a:r>
+          </a:p>
+          <a:p>
+            <a:pPr algn="ctr"/>
+            <a:endParaRPr lang="en-US" sz="1800" dirty="0"/>
+          </a:p>
+          <a:p>
+            <a:pPr algn="ctr"/>
+            <a:r>
+              <a:rPr lang="en-US" sz="1800" b="1" dirty="0" smtClean="0"/>
+              <a:t>Parvez Mulla</a:t>
+            </a:r>
+          </a:p>
+          <a:p>
+            <a:pPr algn="ctr"/>
+            <a:r>
+              <a:rPr lang="en-US" sz="1800" dirty="0" smtClean="0"/>
+              <a:t>and</a:t>
+            </a:r>
+          </a:p>
+          <a:p>
+            <a:pPr algn="ctr"/>
+            <a:r>
+              <a:rPr lang="en-US" sz="1800" b="1" dirty="0" smtClean="0"/>
+              <a:t>Sachin Jegaonkar</a:t>
+            </a:r>
+            <a:endParaRPr lang="x-none" sz="1800" b="1" dirty="0"/>
+          </a:p>
+        </p:txBody>
+      </p:sp>
+    </p:spTree>
+    <p:extLst>
+      <p:ext uri="{BB962C8B-B14F-4D97-AF65-F5344CB8AC3E}">
+        <p14:creationId xmlns:p14="http://schemas.microsoft.com/office/powerpoint/2010/main" val="2756391746"/>
+      </p:ext>
+    </p:extLst>
+  </p:cSld>
+  <p:clrMapOvr>
+    <a:masterClrMapping/>
+  </p:clrMapOvr>
+  <p:timing>
+    <p:tnLst>
+      <p:par>
+        <p:cTn id="1" dur="indefinite" restart="never" nodeType="tmRoot"/>
+      </p:par>
+    </p:tnLst>
+  </p:timing>
+</p:sld>
+</file>
+
+<file path=ppt/slides/slide14.xml><?xml version="1.0" encoding="utf-8"?>
+<p:sld xmlns:a="http://schemas.openxmlformats.org/drawingml/2006/main" xmlns:r="http://schemas.openxmlformats.org/officeDocument/2006/relationships" xmlns:p="http://schemas.openxmlformats.org/presentationml/2006/main">
+  <p:cSld>
+    <p:spTree>
+      <p:nvGrpSpPr>
+        <p:cNvPr id="1" name=""/>
+        <p:cNvGrpSpPr/>
+        <p:nvPr/>
+      </p:nvGrpSpPr>
+      <p:grpSpPr>
+        <a:xfrm>
+          <a:off x="0" y="0"/>
+          <a:ext cx="0" cy="0"/>
+          <a:chOff x="0" y="0"/>
+          <a:chExt cx="0" cy="0"/>
+        </a:xfrm>
+      </p:grpSpPr>
+      <p:sp>
+        <p:nvSpPr>
+          <p:cNvPr id="2" name="Title 1">
+            <a:extLst>
+              <a:ext uri="{FF2B5EF4-FFF2-40B4-BE49-F238E27FC236}">
+                <a16:creationId xmlns:a16="http://schemas.microsoft.com/office/drawing/2014/main" id="{1779BDB0-0623-40E9-B781-44E6D411EFB4}"/>
+              </a:ext>
+            </a:extLst>
+          </p:cNvPr>
+          <p:cNvSpPr>
+            <a:spLocks noGrp="1"/>
+          </p:cNvSpPr>
+          <p:nvPr>
+            <p:ph type="title"/>
+          </p:nvPr>
+        </p:nvSpPr>
+        <p:spPr/>
+        <p:txBody>
+          <a:bodyPr/>
+          <a:lstStyle/>
+          <a:p>
+            <a:r>
+              <a:rPr lang="en-US" dirty="0" smtClean="0"/>
+              <a:t>Extended Work – </a:t>
+            </a:r>
+            <a:r>
+              <a:rPr lang="en-US" dirty="0"/>
+              <a:t>Application is </a:t>
+            </a:r>
+            <a:r>
+              <a:rPr lang="en-US" dirty="0" smtClean="0"/>
+              <a:t>Scalable</a:t>
+            </a:r>
+            <a:endParaRPr lang="x-none" dirty="0"/>
+          </a:p>
+        </p:txBody>
+      </p:sp>
+      <p:sp>
+        <p:nvSpPr>
+          <p:cNvPr id="3" name="Content Placeholder 2">
+            <a:extLst>
+              <a:ext uri="{FF2B5EF4-FFF2-40B4-BE49-F238E27FC236}">
+                <a16:creationId xmlns:a16="http://schemas.microsoft.com/office/drawing/2014/main" id="{ABAB2B9B-CA20-4EAC-A3AB-8F8EE5B74611}"/>
+              </a:ext>
+            </a:extLst>
+          </p:cNvPr>
+          <p:cNvSpPr>
+            <a:spLocks noGrp="1"/>
+          </p:cNvSpPr>
+          <p:nvPr>
+            <p:ph idx="1"/>
+          </p:nvPr>
+        </p:nvSpPr>
+        <p:spPr/>
+        <p:txBody>
+          <a:bodyPr>
+            <a:normAutofit/>
+          </a:bodyPr>
+          <a:lstStyle/>
+          <a:p>
+            <a:r>
+              <a:rPr lang="en-IN" sz="2000" dirty="0" smtClean="0"/>
+              <a:t>Scale this solution to Transform </a:t>
+            </a:r>
+            <a:r>
+              <a:rPr lang="en-IN" sz="2000" dirty="0"/>
+              <a:t>the </a:t>
+            </a:r>
+            <a:r>
+              <a:rPr lang="en-IN" sz="2000" dirty="0" smtClean="0"/>
+              <a:t>Way Crops </a:t>
+            </a:r>
+            <a:r>
+              <a:rPr lang="en-IN" sz="2000" dirty="0"/>
+              <a:t>or </a:t>
+            </a:r>
+            <a:r>
+              <a:rPr lang="en-IN" sz="2000" dirty="0" smtClean="0"/>
+              <a:t>Food Items </a:t>
+            </a:r>
+            <a:r>
+              <a:rPr lang="en-IN" sz="2000" dirty="0"/>
+              <a:t>are </a:t>
+            </a:r>
+            <a:r>
+              <a:rPr lang="en-IN" sz="2000" dirty="0" smtClean="0"/>
+              <a:t>Produced </a:t>
+            </a:r>
+            <a:r>
+              <a:rPr lang="en-IN" sz="2000" dirty="0"/>
+              <a:t>to </a:t>
+            </a:r>
+            <a:r>
+              <a:rPr lang="en-IN" sz="2000" dirty="0" smtClean="0"/>
+              <a:t>Improve the Quality </a:t>
+            </a:r>
+            <a:r>
+              <a:rPr lang="en-IN" sz="2000" dirty="0"/>
+              <a:t>Control and Food </a:t>
+            </a:r>
+            <a:r>
+              <a:rPr lang="en-IN" sz="2000" dirty="0" smtClean="0"/>
+              <a:t>Safety</a:t>
+            </a:r>
+            <a:endParaRPr lang="en-US" sz="2000" dirty="0" smtClean="0"/>
+          </a:p>
+          <a:p>
+            <a:endParaRPr lang="en-US" sz="2000" dirty="0" smtClean="0"/>
+          </a:p>
+          <a:p>
+            <a:r>
+              <a:rPr lang="en-US" sz="2000" dirty="0" smtClean="0"/>
+              <a:t>Scale this solution to Improve the </a:t>
+            </a:r>
+            <a:r>
+              <a:rPr lang="en-IN" sz="2000" dirty="0"/>
+              <a:t>Traceability in the Supply Chain and to </a:t>
+            </a:r>
+            <a:r>
+              <a:rPr lang="en-IN" sz="2000" dirty="0" smtClean="0"/>
+              <a:t>Reduce the Food Frauds</a:t>
+            </a:r>
+            <a:endParaRPr lang="x-none" sz="2000" dirty="0"/>
+          </a:p>
+        </p:txBody>
+      </p:sp>
+      <p:sp>
+        <p:nvSpPr>
+          <p:cNvPr id="4" name="Slide Number Placeholder 3">
+            <a:extLst>
+              <a:ext uri="{FF2B5EF4-FFF2-40B4-BE49-F238E27FC236}">
+                <a16:creationId xmlns:a16="http://schemas.microsoft.com/office/drawing/2014/main" id="{130709BF-4E90-4F76-97D9-AC71C1A4E636}"/>
+              </a:ext>
+            </a:extLst>
+          </p:cNvPr>
+          <p:cNvSpPr>
+            <a:spLocks noGrp="1"/>
+          </p:cNvSpPr>
+          <p:nvPr>
+            <p:ph type="sldNum" sz="quarter" idx="12"/>
+          </p:nvPr>
+        </p:nvSpPr>
+        <p:spPr/>
+        <p:txBody>
+          <a:bodyPr/>
+          <a:lstStyle/>
+          <a:p>
+            <a:fld id="{1BEDFFD4-B6F5-47F1-AF42-063036A3A505}" type="slidenum">
+              <a:rPr lang="x-none" smtClean="0"/>
+              <a:pPr/>
+              <a:t>14</a:t>
             </a:fld>
             <a:endParaRPr lang="x-none"/>
           </a:p>
@@ -4829,7 +5623,7 @@
               <a:buChar char=""/>
             </a:pPr>
             <a:r>
-              <a:rPr lang="en-IN" sz="2400" dirty="0">
+              <a:rPr lang="en-IN" sz="2000" dirty="0">
                 <a:latin typeface="Calibri" panose="020F0502020204030204" pitchFamily="34" charset="0"/>
                 <a:ea typeface="Calibri" panose="020F0502020204030204" pitchFamily="34" charset="0"/>
                 <a:cs typeface="Times New Roman" panose="02020603050405020304" pitchFamily="18" charset="0"/>
@@ -4837,7 +5631,7 @@
               <a:t>Problems with </a:t>
             </a:r>
             <a:r>
-              <a:rPr lang="en-IN" sz="2400" dirty="0" smtClean="0">
+              <a:rPr lang="en-IN" sz="2000" dirty="0" smtClean="0">
                 <a:latin typeface="Calibri" panose="020F0502020204030204" pitchFamily="34" charset="0"/>
                 <a:ea typeface="Calibri" panose="020F0502020204030204" pitchFamily="34" charset="0"/>
                 <a:cs typeface="Times New Roman" panose="02020603050405020304" pitchFamily="18" charset="0"/>
@@ -4856,7 +5650,7 @@
               <a:buFont typeface="Symbol" panose="05050102010706020507" pitchFamily="18" charset="2"/>
               <a:buChar char=""/>
             </a:pPr>
-            <a:endParaRPr lang="en-IN" sz="2400" dirty="0" smtClean="0">
+            <a:endParaRPr lang="en-IN" sz="2000" dirty="0" smtClean="0">
               <a:latin typeface="Calibri" panose="020F0502020204030204" pitchFamily="34" charset="0"/>
               <a:ea typeface="Calibri" panose="020F0502020204030204" pitchFamily="34" charset="0"/>
               <a:cs typeface="Times New Roman" panose="02020603050405020304" pitchFamily="18" charset="0"/>
@@ -4874,20 +5668,12 @@
               <a:buChar char=""/>
             </a:pPr>
             <a:r>
-              <a:rPr lang="en-US" sz="2400" dirty="0" smtClean="0">
+              <a:rPr lang="en-US" sz="2000" dirty="0" smtClean="0">
                 <a:latin typeface="Calibri" panose="020F0502020204030204" pitchFamily="34" charset="0"/>
                 <a:ea typeface="Calibri" panose="020F0502020204030204" pitchFamily="34" charset="0"/>
                 <a:cs typeface="Times New Roman" panose="02020603050405020304" pitchFamily="18" charset="0"/>
               </a:rPr>
-              <a:t>Solution - Platform </a:t>
-            </a:r>
-            <a:r>
-              <a:rPr lang="en-US" sz="2400" dirty="0" smtClean="0">
-                <a:latin typeface="Calibri" panose="020F0502020204030204" pitchFamily="34" charset="0"/>
-                <a:ea typeface="Calibri" panose="020F0502020204030204" pitchFamily="34" charset="0"/>
-                <a:cs typeface="Times New Roman" panose="02020603050405020304" pitchFamily="18" charset="0"/>
-              </a:rPr>
-              <a:t>Description</a:t>
+              <a:t>Solution - Platform Description</a:t>
             </a:r>
           </a:p>
           <a:p>
@@ -4901,7 +5687,7 @@
               <a:buFont typeface="Symbol" panose="05050102010706020507" pitchFamily="18" charset="2"/>
               <a:buChar char=""/>
             </a:pPr>
-            <a:endParaRPr lang="en-US" sz="2400" dirty="0">
+            <a:endParaRPr lang="en-US" sz="2000" dirty="0">
               <a:latin typeface="Calibri" panose="020F0502020204030204" pitchFamily="34" charset="0"/>
               <a:ea typeface="Calibri" panose="020F0502020204030204" pitchFamily="34" charset="0"/>
               <a:cs typeface="Times New Roman" panose="02020603050405020304" pitchFamily="18" charset="0"/>
@@ -4919,7 +5705,7 @@
               <a:buChar char=""/>
             </a:pPr>
             <a:r>
-              <a:rPr lang="en-IN" sz="2400" dirty="0">
+              <a:rPr lang="en-IN" sz="2000" dirty="0">
                 <a:latin typeface="Calibri" panose="020F0502020204030204" pitchFamily="34" charset="0"/>
                 <a:ea typeface="Calibri" panose="020F0502020204030204" pitchFamily="34" charset="0"/>
                 <a:cs typeface="Times New Roman" panose="02020603050405020304" pitchFamily="18" charset="0"/>
@@ -4938,7 +5724,7 @@
               <a:buFont typeface="Symbol" panose="05050102010706020507" pitchFamily="18" charset="2"/>
               <a:buChar char=""/>
             </a:pPr>
-            <a:endParaRPr lang="en-US" sz="2400" dirty="0" smtClean="0">
+            <a:endParaRPr lang="en-US" sz="2000" dirty="0" smtClean="0">
               <a:latin typeface="Calibri" panose="020F0502020204030204" pitchFamily="34" charset="0"/>
               <a:ea typeface="Calibri" panose="020F0502020204030204" pitchFamily="34" charset="0"/>
               <a:cs typeface="Times New Roman" panose="02020603050405020304" pitchFamily="18" charset="0"/>
@@ -4956,18 +5742,13 @@
               <a:buChar char=""/>
             </a:pPr>
             <a:r>
-              <a:rPr lang="en-US" sz="2400" dirty="0" smtClean="0">
+              <a:rPr lang="en-US" sz="2000" dirty="0" smtClean="0">
                 <a:latin typeface="Calibri" panose="020F0502020204030204" pitchFamily="34" charset="0"/>
                 <a:ea typeface="Calibri" panose="020F0502020204030204" pitchFamily="34" charset="0"/>
                 <a:cs typeface="Times New Roman" panose="02020603050405020304" pitchFamily="18" charset="0"/>
               </a:rPr>
               <a:t>Architecture</a:t>
             </a:r>
-            <a:endParaRPr lang="en-US" sz="2400" dirty="0" smtClean="0">
-              <a:latin typeface="Calibri" panose="020F0502020204030204" pitchFamily="34" charset="0"/>
-              <a:ea typeface="Calibri" panose="020F0502020204030204" pitchFamily="34" charset="0"/>
-              <a:cs typeface="Times New Roman" panose="02020603050405020304" pitchFamily="18" charset="0"/>
-            </a:endParaRPr>
           </a:p>
           <a:p>
             <a:pPr lvl="0">
@@ -4980,7 +5761,7 @@
               <a:buFont typeface="Symbol" panose="05050102010706020507" pitchFamily="18" charset="2"/>
               <a:buChar char=""/>
             </a:pPr>
-            <a:endParaRPr lang="en-US" sz="2400" dirty="0" smtClean="0">
+            <a:endParaRPr lang="en-US" sz="2000" dirty="0" smtClean="0">
               <a:latin typeface="Calibri" panose="020F0502020204030204" pitchFamily="34" charset="0"/>
               <a:ea typeface="Calibri" panose="020F0502020204030204" pitchFamily="34" charset="0"/>
               <a:cs typeface="Times New Roman" panose="02020603050405020304" pitchFamily="18" charset="0"/>
@@ -4998,21 +5779,18 @@
               <a:buChar char=""/>
             </a:pPr>
             <a:r>
-              <a:rPr lang="en-US" sz="2400" dirty="0" smtClean="0">
+              <a:rPr lang="en-US" sz="2000" dirty="0" smtClean="0">
                 <a:latin typeface="Calibri" panose="020F0502020204030204" pitchFamily="34" charset="0"/>
                 <a:ea typeface="Calibri" panose="020F0502020204030204" pitchFamily="34" charset="0"/>
                 <a:cs typeface="Times New Roman" panose="02020603050405020304" pitchFamily="18" charset="0"/>
               </a:rPr>
-              <a:t>Problems </a:t>
-            </a:r>
-            <a:r>
-              <a:rPr lang="en-US" sz="2400" dirty="0" smtClean="0">
-                <a:latin typeface="Calibri" panose="020F0502020204030204" pitchFamily="34" charset="0"/>
-                <a:ea typeface="Calibri" panose="020F0502020204030204" pitchFamily="34" charset="0"/>
-                <a:cs typeface="Times New Roman" panose="02020603050405020304" pitchFamily="18" charset="0"/>
-              </a:rPr>
-              <a:t>Being Solved</a:t>
-            </a:r>
+              <a:t>How It Works</a:t>
+            </a:r>
+            <a:endParaRPr lang="en-US" sz="2000" dirty="0" smtClean="0">
+              <a:latin typeface="Calibri" panose="020F0502020204030204" pitchFamily="34" charset="0"/>
+              <a:ea typeface="Calibri" panose="020F0502020204030204" pitchFamily="34" charset="0"/>
+              <a:cs typeface="Times New Roman" panose="02020603050405020304" pitchFamily="18" charset="0"/>
+            </a:endParaRPr>
           </a:p>
           <a:p>
             <a:pPr lvl="0">
@@ -5025,7 +5803,7 @@
               <a:buFont typeface="Symbol" panose="05050102010706020507" pitchFamily="18" charset="2"/>
               <a:buChar char=""/>
             </a:pPr>
-            <a:endParaRPr lang="en-US" sz="2400" dirty="0" smtClean="0">
+            <a:endParaRPr lang="en-US" sz="2000" dirty="0" smtClean="0">
               <a:latin typeface="Calibri" panose="020F0502020204030204" pitchFamily="34" charset="0"/>
               <a:ea typeface="Calibri" panose="020F0502020204030204" pitchFamily="34" charset="0"/>
               <a:cs typeface="Times New Roman" panose="02020603050405020304" pitchFamily="18" charset="0"/>
@@ -5043,7 +5821,44 @@
               <a:buChar char=""/>
             </a:pPr>
             <a:r>
-              <a:rPr lang="en-IN" sz="2400" dirty="0" smtClean="0">
+              <a:rPr lang="en-US" sz="2000" dirty="0" smtClean="0">
+                <a:latin typeface="Calibri" panose="020F0502020204030204" pitchFamily="34" charset="0"/>
+                <a:ea typeface="Calibri" panose="020F0502020204030204" pitchFamily="34" charset="0"/>
+                <a:cs typeface="Times New Roman" panose="02020603050405020304" pitchFamily="18" charset="0"/>
+              </a:rPr>
+              <a:t>Problems Being Solved</a:t>
+            </a:r>
+          </a:p>
+          <a:p>
+            <a:pPr lvl="0">
+              <a:lnSpc>
+                <a:spcPct val="107000"/>
+              </a:lnSpc>
+              <a:spcBef>
+                <a:spcPts val="0"/>
+              </a:spcBef>
+              <a:buFont typeface="Symbol" panose="05050102010706020507" pitchFamily="18" charset="2"/>
+              <a:buChar char=""/>
+            </a:pPr>
+            <a:endParaRPr lang="en-US" sz="2000" dirty="0" smtClean="0">
+              <a:latin typeface="Calibri" panose="020F0502020204030204" pitchFamily="34" charset="0"/>
+              <a:ea typeface="Calibri" panose="020F0502020204030204" pitchFamily="34" charset="0"/>
+              <a:cs typeface="Times New Roman" panose="02020603050405020304" pitchFamily="18" charset="0"/>
+            </a:endParaRPr>
+          </a:p>
+          <a:p>
+            <a:pPr lvl="0">
+              <a:lnSpc>
+                <a:spcPct val="107000"/>
+              </a:lnSpc>
+              <a:spcBef>
+                <a:spcPts val="0"/>
+              </a:spcBef>
+              <a:buFont typeface="Symbol" panose="05050102010706020507" pitchFamily="18" charset="2"/>
+              <a:buChar char=""/>
+            </a:pPr>
+            <a:r>
+              <a:rPr lang="en-IN" sz="2000" dirty="0" smtClean="0">
                 <a:latin typeface="Calibri" panose="020F0502020204030204" pitchFamily="34" charset="0"/>
                 <a:ea typeface="Calibri" panose="020F0502020204030204" pitchFamily="34" charset="0"/>
                 <a:cs typeface="Times New Roman" panose="02020603050405020304" pitchFamily="18" charset="0"/>
@@ -5172,106 +5987,136 @@
         <p:spPr/>
         <p:txBody>
           <a:bodyPr>
-            <a:normAutofit/>
+            <a:normAutofit lnSpcReduction="10000"/>
           </a:bodyPr>
           <a:lstStyle/>
           <a:p>
             <a:r>
-              <a:rPr lang="en-IN" sz="2400" dirty="0" smtClean="0"/>
+              <a:rPr lang="en-IN" sz="2000" dirty="0" smtClean="0"/>
               <a:t>Large Players Dominates </a:t>
             </a:r>
             <a:r>
-              <a:rPr lang="en-IN" sz="2400" dirty="0"/>
+              <a:rPr lang="en-IN" sz="2000" dirty="0"/>
               <a:t>the </a:t>
             </a:r>
             <a:r>
-              <a:rPr lang="en-IN" sz="2400" dirty="0" smtClean="0"/>
+              <a:rPr lang="en-IN" sz="2000" dirty="0" smtClean="0"/>
               <a:t>Market </a:t>
             </a:r>
             <a:r>
-              <a:rPr lang="en-IN" sz="2400" dirty="0"/>
+              <a:rPr lang="en-IN" sz="2000" dirty="0"/>
               <a:t>and </a:t>
             </a:r>
             <a:r>
-              <a:rPr lang="en-IN" sz="2400" dirty="0" smtClean="0"/>
-              <a:t>Reap Benefits</a:t>
-            </a:r>
-          </a:p>
-          <a:p>
-            <a:r>
-              <a:rPr lang="en-US" sz="2400" dirty="0" smtClean="0"/>
+              <a:rPr lang="en-IN" sz="2000" dirty="0" smtClean="0"/>
+              <a:t>Reap </a:t>
+            </a:r>
+            <a:r>
+              <a:rPr lang="en-IN" sz="2000" dirty="0" smtClean="0"/>
+              <a:t>Benefits</a:t>
+            </a:r>
+          </a:p>
+          <a:p>
+            <a:endParaRPr lang="en-IN" sz="2000" dirty="0" smtClean="0"/>
+          </a:p>
+          <a:p>
+            <a:r>
+              <a:rPr lang="en-US" sz="2000" dirty="0" smtClean="0"/>
               <a:t>Farmers Feel </a:t>
             </a:r>
             <a:r>
-              <a:rPr lang="en-US" sz="2400" dirty="0"/>
+              <a:rPr lang="en-US" sz="2000" dirty="0"/>
               <a:t>Treated </a:t>
             </a:r>
             <a:r>
-              <a:rPr lang="en-US" sz="2400" dirty="0" smtClean="0"/>
+              <a:rPr lang="en-US" sz="2000" dirty="0" smtClean="0"/>
               <a:t>Unfairly, Don’t Understand </a:t>
             </a:r>
             <a:r>
-              <a:rPr lang="en-US" sz="2400" dirty="0"/>
+              <a:rPr lang="en-US" sz="2000" dirty="0" smtClean="0"/>
               <a:t>Policies</a:t>
             </a:r>
-            <a:endParaRPr lang="en-IN" sz="2400" dirty="0" smtClean="0"/>
-          </a:p>
-          <a:p>
-            <a:r>
-              <a:rPr lang="en-IN" sz="2400" dirty="0" smtClean="0"/>
-              <a:t>Insurance Companies Have Different Reasons To Not To Pay Out Claims</a:t>
-            </a:r>
-          </a:p>
-          <a:p>
-            <a:r>
-              <a:rPr lang="en-IN" sz="2400" dirty="0"/>
+          </a:p>
+          <a:p>
+            <a:endParaRPr lang="en-IN" sz="2000" dirty="0" smtClean="0"/>
+          </a:p>
+          <a:p>
+            <a:r>
+              <a:rPr lang="en-IN" sz="2000" dirty="0" smtClean="0"/>
+              <a:t>Insurance Companies Have Different Reasons To Not To Pay Out </a:t>
+            </a:r>
+            <a:r>
+              <a:rPr lang="en-IN" sz="2000" dirty="0" smtClean="0"/>
+              <a:t>Claims</a:t>
+            </a:r>
+          </a:p>
+          <a:p>
+            <a:endParaRPr lang="en-IN" sz="2000" dirty="0" smtClean="0"/>
+          </a:p>
+          <a:p>
+            <a:r>
+              <a:rPr lang="en-IN" sz="2000" dirty="0"/>
               <a:t>Insurance </a:t>
             </a:r>
             <a:r>
-              <a:rPr lang="en-IN" sz="2400" dirty="0" smtClean="0"/>
-              <a:t>Companies are Having No Trust and Transparency</a:t>
-            </a:r>
-          </a:p>
-          <a:p>
-            <a:r>
-              <a:rPr lang="en-IN" sz="2400" dirty="0"/>
+              <a:rPr lang="en-IN" sz="2000" dirty="0" smtClean="0"/>
+              <a:t>Companies are Having No Trust and </a:t>
+            </a:r>
+            <a:r>
+              <a:rPr lang="en-IN" sz="2000" dirty="0" smtClean="0"/>
+              <a:t>Transparency</a:t>
+            </a:r>
+          </a:p>
+          <a:p>
+            <a:endParaRPr lang="en-IN" sz="2000" dirty="0" smtClean="0"/>
+          </a:p>
+          <a:p>
+            <a:r>
+              <a:rPr lang="en-IN" sz="2000" dirty="0"/>
               <a:t>Tight </a:t>
             </a:r>
             <a:r>
-              <a:rPr lang="en-IN" sz="2400" dirty="0" smtClean="0"/>
+              <a:rPr lang="en-IN" sz="2000" dirty="0" smtClean="0"/>
               <a:t>Regulation </a:t>
             </a:r>
             <a:r>
-              <a:rPr lang="en-IN" sz="2400" dirty="0"/>
+              <a:rPr lang="en-IN" sz="2000" dirty="0"/>
               <a:t>is </a:t>
             </a:r>
             <a:r>
-              <a:rPr lang="en-IN" sz="2400" dirty="0" smtClean="0"/>
+              <a:rPr lang="en-IN" sz="2000" dirty="0" smtClean="0"/>
               <a:t>Needed </a:t>
             </a:r>
             <a:r>
-              <a:rPr lang="en-IN" sz="2400" dirty="0"/>
+              <a:rPr lang="en-IN" sz="2000" dirty="0"/>
               <a:t>to </a:t>
             </a:r>
             <a:r>
-              <a:rPr lang="en-IN" sz="2400" dirty="0" smtClean="0"/>
-              <a:t>Protect Farmers</a:t>
-            </a:r>
-          </a:p>
-          <a:p>
-            <a:r>
-              <a:rPr lang="en-IN" sz="2400" dirty="0" smtClean="0"/>
+              <a:rPr lang="en-IN" sz="2000" dirty="0" smtClean="0"/>
+              <a:t>Protect </a:t>
+            </a:r>
+            <a:r>
+              <a:rPr lang="en-IN" sz="2000" dirty="0" smtClean="0"/>
+              <a:t>Farmers</a:t>
+            </a:r>
+          </a:p>
+          <a:p>
+            <a:endParaRPr lang="en-IN" sz="2000" dirty="0" smtClean="0"/>
+          </a:p>
+          <a:p>
+            <a:r>
+              <a:rPr lang="en-IN" sz="2000" dirty="0" smtClean="0"/>
               <a:t>Conflict </a:t>
             </a:r>
             <a:r>
-              <a:rPr lang="en-IN" sz="2400" dirty="0"/>
+              <a:rPr lang="en-IN" sz="2000" dirty="0"/>
               <a:t>of </a:t>
             </a:r>
             <a:r>
-              <a:rPr lang="en-IN" sz="2400" dirty="0" smtClean="0"/>
+              <a:rPr lang="en-IN" sz="2000" dirty="0" smtClean="0"/>
               <a:t>Information Between Farmers and Insurance Companies</a:t>
             </a:r>
-            <a:endParaRPr lang="en-IN" sz="2400" dirty="0"/>
+            <a:endParaRPr lang="en-IN" sz="2000" dirty="0"/>
           </a:p>
         </p:txBody>
       </p:sp>
@@ -5390,56 +6235,56 @@
         <p:spPr/>
         <p:txBody>
           <a:bodyPr>
-            <a:normAutofit lnSpcReduction="10000"/>
+            <a:normAutofit/>
           </a:bodyPr>
           <a:lstStyle/>
           <a:p>
             <a:r>
-              <a:rPr lang="en-IN" sz="2400" dirty="0" smtClean="0"/>
+              <a:rPr lang="en-IN" sz="2000" dirty="0" smtClean="0"/>
               <a:t>A Multi-Node Blockchain Network - Simulates Automatic Claim Settlement</a:t>
             </a:r>
           </a:p>
           <a:p>
             <a:r>
-              <a:rPr lang="en-IN" sz="2400" dirty="0" smtClean="0"/>
+              <a:rPr lang="en-IN" sz="2000" dirty="0" smtClean="0"/>
               <a:t>The Solution Built Upon Ethereum Smart Contracts</a:t>
             </a:r>
           </a:p>
           <a:p>
             <a:r>
-              <a:rPr lang="en-IN" sz="2400" dirty="0"/>
+              <a:rPr lang="en-IN" sz="2000" dirty="0"/>
               <a:t>Machine Learning </a:t>
             </a:r>
             <a:r>
-              <a:rPr lang="en-IN" sz="2400" dirty="0" smtClean="0"/>
+              <a:rPr lang="en-IN" sz="2000" dirty="0" smtClean="0"/>
               <a:t>Applied </a:t>
             </a:r>
             <a:r>
-              <a:rPr lang="en-IN" sz="2400" dirty="0"/>
+              <a:rPr lang="en-IN" sz="2000" dirty="0"/>
               <a:t>to </a:t>
             </a:r>
             <a:r>
-              <a:rPr lang="en-IN" sz="2400" dirty="0" smtClean="0"/>
+              <a:rPr lang="en-IN" sz="2000" dirty="0" smtClean="0"/>
               <a:t>The Weather Data Provides Useful Insights</a:t>
             </a:r>
           </a:p>
           <a:p>
             <a:r>
-              <a:rPr lang="en-IN" sz="2400" dirty="0" smtClean="0"/>
+              <a:rPr lang="en-IN" sz="2000" dirty="0" smtClean="0"/>
               <a:t>Facilitates Farmers </a:t>
             </a:r>
             <a:r>
-              <a:rPr lang="en-IN" sz="2400" dirty="0"/>
+              <a:rPr lang="en-IN" sz="2000" dirty="0"/>
               <a:t>and other </a:t>
             </a:r>
             <a:r>
-              <a:rPr lang="en-IN" sz="2400" dirty="0" smtClean="0"/>
+              <a:rPr lang="en-IN" sz="2000" dirty="0" smtClean="0"/>
               <a:t>Stakeholders To Take Optimum Decisions</a:t>
             </a:r>
           </a:p>
           <a:p>
             <a:r>
-              <a:rPr lang="en-US" sz="2400" dirty="0" smtClean="0"/>
+              <a:rPr lang="en-US" sz="2000" dirty="0" smtClean="0"/>
               <a:t>Predictive Models Provides High Value Predictions To Help Farmers To Decide</a:t>
             </a:r>
           </a:p>
@@ -5486,16 +6331,16 @@
           </a:p>
           <a:p>
             <a:r>
-              <a:rPr lang="en-IN" sz="2400" dirty="0" smtClean="0"/>
+              <a:rPr lang="en-IN" sz="2000" dirty="0" smtClean="0"/>
               <a:t>Peer-To-Peer model – no need of any middleman to operate the system</a:t>
             </a:r>
           </a:p>
           <a:p>
             <a:r>
-              <a:rPr lang="en-IN" sz="2400" dirty="0" smtClean="0"/>
+              <a:rPr lang="en-IN" sz="2000" dirty="0" smtClean="0"/>
               <a:t>Financial Transactions are Realized using a Digital Wallet</a:t>
             </a:r>
-            <a:endParaRPr lang="x-none" sz="2400" i="1" dirty="0"/>
+            <a:endParaRPr lang="x-none" sz="2000" i="1" dirty="0"/>
           </a:p>
         </p:txBody>
       </p:sp>
@@ -5633,7 +6478,7 @@
               <a:buChar char=""/>
             </a:pPr>
             <a:r>
-              <a:rPr lang="en-IN" dirty="0">
+              <a:rPr lang="en-IN" sz="2000" dirty="0">
                 <a:latin typeface="Calibri" panose="020F0502020204030204" pitchFamily="34" charset="0"/>
                 <a:ea typeface="Calibri" panose="020F0502020204030204" pitchFamily="34" charset="0"/>
                 <a:cs typeface="Times New Roman" panose="02020603050405020304" pitchFamily="18" charset="0"/>
@@ -5641,7 +6486,7 @@
               <a:t>Farmers - Registers for </a:t>
             </a:r>
             <a:r>
-              <a:rPr lang="en-IN" dirty="0" smtClean="0">
+              <a:rPr lang="en-IN" sz="2000" dirty="0" smtClean="0">
                 <a:latin typeface="Calibri" panose="020F0502020204030204" pitchFamily="34" charset="0"/>
                 <a:ea typeface="Calibri" panose="020F0502020204030204" pitchFamily="34" charset="0"/>
                 <a:cs typeface="Times New Roman" panose="02020603050405020304" pitchFamily="18" charset="0"/>
@@ -5660,7 +6505,7 @@
               <a:buFont typeface="Symbol" panose="05050102010706020507" pitchFamily="18" charset="2"/>
               <a:buChar char=""/>
             </a:pPr>
-            <a:endParaRPr lang="en-US" dirty="0" smtClean="0">
+            <a:endParaRPr lang="en-US" sz="2000" dirty="0" smtClean="0">
               <a:latin typeface="Calibri" panose="020F0502020204030204" pitchFamily="34" charset="0"/>
               <a:ea typeface="Calibri" panose="020F0502020204030204" pitchFamily="34" charset="0"/>
               <a:cs typeface="Times New Roman" panose="02020603050405020304" pitchFamily="18" charset="0"/>
@@ -5678,7 +6523,7 @@
               <a:buChar char=""/>
             </a:pPr>
             <a:r>
-              <a:rPr lang="en-IN" dirty="0">
+              <a:rPr lang="en-IN" sz="2000" dirty="0">
                 <a:latin typeface="Calibri" panose="020F0502020204030204" pitchFamily="34" charset="0"/>
                 <a:ea typeface="Calibri" panose="020F0502020204030204" pitchFamily="34" charset="0"/>
                 <a:cs typeface="Times New Roman" panose="02020603050405020304" pitchFamily="18" charset="0"/>
@@ -5686,7 +6531,7 @@
               <a:t>Weather </a:t>
             </a:r>
             <a:r>
-              <a:rPr lang="en-IN" dirty="0" smtClean="0">
+              <a:rPr lang="en-IN" sz="2000" dirty="0" smtClean="0">
                 <a:latin typeface="Calibri" panose="020F0502020204030204" pitchFamily="34" charset="0"/>
                 <a:ea typeface="Calibri" panose="020F0502020204030204" pitchFamily="34" charset="0"/>
                 <a:cs typeface="Times New Roman" panose="02020603050405020304" pitchFamily="18" charset="0"/>
@@ -5694,7 +6539,7 @@
               <a:t>Data Providers </a:t>
             </a:r>
             <a:r>
-              <a:rPr lang="en-IN" dirty="0">
+              <a:rPr lang="en-IN" sz="2000" dirty="0">
                 <a:latin typeface="Calibri" panose="020F0502020204030204" pitchFamily="34" charset="0"/>
                 <a:ea typeface="Calibri" panose="020F0502020204030204" pitchFamily="34" charset="0"/>
                 <a:cs typeface="Times New Roman" panose="02020603050405020304" pitchFamily="18" charset="0"/>
@@ -5702,7 +6547,7 @@
               <a:t>- Manages </a:t>
             </a:r>
             <a:r>
-              <a:rPr lang="en-IN" dirty="0" smtClean="0">
+              <a:rPr lang="en-IN" sz="2000" dirty="0" smtClean="0">
                 <a:latin typeface="Calibri" panose="020F0502020204030204" pitchFamily="34" charset="0"/>
                 <a:ea typeface="Calibri" panose="020F0502020204030204" pitchFamily="34" charset="0"/>
                 <a:cs typeface="Times New Roman" panose="02020603050405020304" pitchFamily="18" charset="0"/>
@@ -5721,7 +6566,7 @@
               <a:buFont typeface="Symbol" panose="05050102010706020507" pitchFamily="18" charset="2"/>
               <a:buChar char=""/>
             </a:pPr>
-            <a:endParaRPr lang="en-US" dirty="0" smtClean="0">
+            <a:endParaRPr lang="en-US" sz="2000" dirty="0" smtClean="0">
               <a:latin typeface="Calibri" panose="020F0502020204030204" pitchFamily="34" charset="0"/>
               <a:ea typeface="Calibri" panose="020F0502020204030204" pitchFamily="34" charset="0"/>
               <a:cs typeface="Times New Roman" panose="02020603050405020304" pitchFamily="18" charset="0"/>
@@ -5739,7 +6584,7 @@
               <a:buChar char=""/>
             </a:pPr>
             <a:r>
-              <a:rPr lang="en-IN" dirty="0">
+              <a:rPr lang="en-IN" sz="2000" dirty="0">
                 <a:latin typeface="Calibri" panose="020F0502020204030204" pitchFamily="34" charset="0"/>
                 <a:ea typeface="Calibri" panose="020F0502020204030204" pitchFamily="34" charset="0"/>
                 <a:cs typeface="Times New Roman" panose="02020603050405020304" pitchFamily="18" charset="0"/>
@@ -5747,7 +6592,7 @@
               <a:t>Insurance </a:t>
             </a:r>
             <a:r>
-              <a:rPr lang="en-IN" dirty="0" smtClean="0">
+              <a:rPr lang="en-IN" sz="2000" dirty="0" smtClean="0">
                 <a:latin typeface="Calibri" panose="020F0502020204030204" pitchFamily="34" charset="0"/>
                 <a:ea typeface="Calibri" panose="020F0502020204030204" pitchFamily="34" charset="0"/>
                 <a:cs typeface="Times New Roman" panose="02020603050405020304" pitchFamily="18" charset="0"/>
@@ -5766,7 +6611,7 @@
               <a:buFont typeface="Symbol" panose="05050102010706020507" pitchFamily="18" charset="2"/>
               <a:buChar char=""/>
             </a:pPr>
-            <a:endParaRPr lang="en-US" dirty="0" smtClean="0">
+            <a:endParaRPr lang="en-US" sz="2000" dirty="0" smtClean="0">
               <a:latin typeface="Calibri" panose="020F0502020204030204" pitchFamily="34" charset="0"/>
               <a:ea typeface="Calibri" panose="020F0502020204030204" pitchFamily="34" charset="0"/>
               <a:cs typeface="Times New Roman" panose="02020603050405020304" pitchFamily="18" charset="0"/>
@@ -5784,7 +6629,7 @@
               <a:buChar char=""/>
             </a:pPr>
             <a:r>
-              <a:rPr lang="en-IN" dirty="0">
+              <a:rPr lang="en-IN" sz="2000" dirty="0">
                 <a:latin typeface="Calibri" panose="020F0502020204030204" pitchFamily="34" charset="0"/>
                 <a:ea typeface="Calibri" panose="020F0502020204030204" pitchFamily="34" charset="0"/>
                 <a:cs typeface="Times New Roman" panose="02020603050405020304" pitchFamily="18" charset="0"/>
@@ -5792,7 +6637,7 @@
               <a:t>Service Provider - Design </a:t>
             </a:r>
             <a:r>
-              <a:rPr lang="en-IN" dirty="0" smtClean="0">
+              <a:rPr lang="en-IN" sz="2000" dirty="0" smtClean="0">
                 <a:latin typeface="Calibri" panose="020F0502020204030204" pitchFamily="34" charset="0"/>
                 <a:ea typeface="Calibri" panose="020F0502020204030204" pitchFamily="34" charset="0"/>
                 <a:cs typeface="Times New Roman" panose="02020603050405020304" pitchFamily="18" charset="0"/>
@@ -5811,7 +6656,7 @@
               <a:buFont typeface="Symbol" panose="05050102010706020507" pitchFamily="18" charset="2"/>
               <a:buChar char=""/>
             </a:pPr>
-            <a:endParaRPr lang="en-US" dirty="0">
+            <a:endParaRPr lang="en-US" sz="2000" dirty="0">
               <a:latin typeface="Calibri" panose="020F0502020204030204" pitchFamily="34" charset="0"/>
               <a:ea typeface="Calibri" panose="020F0502020204030204" pitchFamily="34" charset="0"/>
               <a:cs typeface="Times New Roman" panose="02020603050405020304" pitchFamily="18" charset="0"/>
@@ -5829,7 +6674,7 @@
               <a:buChar char=""/>
             </a:pPr>
             <a:r>
-              <a:rPr lang="en-US" dirty="0">
+              <a:rPr lang="en-US" sz="2000" dirty="0">
                 <a:latin typeface="Calibri" panose="020F0502020204030204" pitchFamily="34" charset="0"/>
                 <a:ea typeface="Calibri" panose="020F0502020204030204" pitchFamily="34" charset="0"/>
                 <a:cs typeface="Times New Roman" panose="02020603050405020304" pitchFamily="18" charset="0"/>
@@ -5837,14 +6682,30 @@
               <a:t>Technology </a:t>
             </a:r>
             <a:r>
-              <a:rPr lang="en-US" dirty="0" smtClean="0">
+              <a:rPr lang="en-US" sz="2000" dirty="0" smtClean="0">
                 <a:latin typeface="Calibri" panose="020F0502020204030204" pitchFamily="34" charset="0"/>
                 <a:ea typeface="Calibri" panose="020F0502020204030204" pitchFamily="34" charset="0"/>
                 <a:cs typeface="Times New Roman" panose="02020603050405020304" pitchFamily="18" charset="0"/>
               </a:rPr>
-              <a:t>Solution Provider – UI, Application and Blockchain Layer</a:t>
-            </a:r>
-            <a:endParaRPr lang="en-US" dirty="0">
+              <a:t>Solution Provider – </a:t>
+            </a:r>
+            <a:r>
+              <a:rPr lang="en-US" sz="2000" smtClean="0">
+                <a:latin typeface="Calibri" panose="020F0502020204030204" pitchFamily="34" charset="0"/>
+                <a:ea typeface="Calibri" panose="020F0502020204030204" pitchFamily="34" charset="0"/>
+                <a:cs typeface="Times New Roman" panose="02020603050405020304" pitchFamily="18" charset="0"/>
+              </a:rPr>
+              <a:t>User Interface, </a:t>
+            </a:r>
+            <a:r>
+              <a:rPr lang="en-US" sz="2000" dirty="0" smtClean="0">
+                <a:latin typeface="Calibri" panose="020F0502020204030204" pitchFamily="34" charset="0"/>
+                <a:ea typeface="Calibri" panose="020F0502020204030204" pitchFamily="34" charset="0"/>
+                <a:cs typeface="Times New Roman" panose="02020603050405020304" pitchFamily="18" charset="0"/>
+              </a:rPr>
+              <a:t>Application and Blockchain Layer</a:t>
+            </a:r>
+            <a:endParaRPr lang="en-US" sz="2000" dirty="0">
               <a:latin typeface="Calibri" panose="020F0502020204030204" pitchFamily="34" charset="0"/>
               <a:ea typeface="Calibri" panose="020F0502020204030204" pitchFamily="34" charset="0"/>
               <a:cs typeface="Times New Roman" panose="02020603050405020304" pitchFamily="18" charset="0"/>
@@ -5945,25 +6806,35 @@
           </a:p>
         </p:txBody>
       </p:sp>
-      <p:sp>
-        <p:nvSpPr>
-          <p:cNvPr id="3" name="Content Placeholder 2"/>
-          <p:cNvSpPr>
-            <a:spLocks noGrp="1"/>
-          </p:cNvSpPr>
+      <p:pic>
+        <p:nvPicPr>
+          <p:cNvPr id="5" name="Content Placeholder 4"/>
+          <p:cNvPicPr>
+            <a:picLocks noGrp="1" noChangeAspect="1"/>
+          </p:cNvPicPr>
           <p:nvPr>
             <p:ph idx="1"/>
           </p:nvPr>
-        </p:nvSpPr>
-        <p:spPr/>
-        <p:txBody>
-          <a:bodyPr/>
-          <a:lstStyle/>
-          <a:p>
-            <a:endParaRPr lang="en-IN"/>
-          </a:p>
-        </p:txBody>
-      </p:sp>
+        </p:nvPicPr>
+        <p:blipFill>
+          <a:blip r:embed="rId2">
+            <a:extLst>
+              <a:ext uri="{28A0092B-C50C-407E-A947-70E740481C1C}">
+                <a14:useLocalDpi xmlns:a14="http://schemas.microsoft.com/office/drawing/2010/main" val="0"/>
+              </a:ext>
+            </a:extLst>
+          </a:blip>
+          <a:stretch>
+            <a:fillRect/>
+          </a:stretch>
+        </p:blipFill>
+        <p:spPr>
+          <a:xfrm>
+            <a:off x="2229377" y="1825625"/>
+            <a:ext cx="7733245" cy="4351338"/>
+          </a:xfrm>
+        </p:spPr>
+      </p:pic>
       <p:sp>
         <p:nvSpPr>
           <p:cNvPr id="4" name="Slide Number Placeholder 3"/>
@@ -6020,13 +6891,7 @@
       </p:grpSpPr>
       <p:sp>
         <p:nvSpPr>
-          <p:cNvPr id="2" name="Title 1">
-            <a:extLst>
-              <a:ext uri="{FF2B5EF4-FFF2-40B4-BE49-F238E27FC236}">
-                <a16:creationId xmlns:a16="http://schemas.microsoft.com/office/drawing/2014/main" id="{A5236F04-B3EF-4A32-829D-784D1539C9FE}"/>
-              </a:ext>
-            </a:extLst>
-          </p:cNvPr>
+          <p:cNvPr id="2" name="Title 1"/>
           <p:cNvSpPr>
             <a:spLocks noGrp="1"/>
           </p:cNvSpPr>
@@ -6040,95 +6905,19 @@
           <a:lstStyle/>
           <a:p>
             <a:r>
-              <a:rPr lang="en-IN" dirty="0" smtClean="0"/>
-              <a:t>Problems Being Solved</a:t>
-            </a:r>
-            <a:endParaRPr lang="x-none" dirty="0"/>
-          </a:p>
-        </p:txBody>
-      </p:sp>
-      <p:sp>
-        <p:nvSpPr>
-          <p:cNvPr id="3" name="Content Placeholder 2">
-            <a:extLst>
-              <a:ext uri="{FF2B5EF4-FFF2-40B4-BE49-F238E27FC236}">
-                <a16:creationId xmlns:a16="http://schemas.microsoft.com/office/drawing/2014/main" id="{C12DA82B-875F-43C1-A314-468D7B322B2E}"/>
-              </a:ext>
-            </a:extLst>
-          </p:cNvPr>
-          <p:cNvSpPr>
-            <a:spLocks noGrp="1"/>
-          </p:cNvSpPr>
-          <p:nvPr>
-            <p:ph idx="1"/>
-          </p:nvPr>
-        </p:nvSpPr>
-        <p:spPr/>
-        <p:txBody>
-          <a:bodyPr>
-            <a:normAutofit/>
-          </a:bodyPr>
-          <a:lstStyle/>
-          <a:p>
-            <a:r>
-              <a:rPr lang="en-IN" dirty="0"/>
-              <a:t>Increased Efficiency for Farmers</a:t>
-            </a:r>
-          </a:p>
-          <a:p>
-            <a:r>
-              <a:rPr lang="en-IN" dirty="0"/>
-              <a:t>Fairer Payment for Farmers</a:t>
-            </a:r>
-          </a:p>
-          <a:p>
-            <a:r>
-              <a:rPr lang="en-IN" dirty="0"/>
-              <a:t>Farmers can Quickly get the Claims through Smart Contracts</a:t>
-            </a:r>
-          </a:p>
-          <a:p>
-            <a:r>
-              <a:rPr lang="en-IN" dirty="0"/>
-              <a:t>Farmers can Take Preventive Actions</a:t>
-            </a:r>
-            <a:endParaRPr lang="x-none" i="1" dirty="0"/>
-          </a:p>
-          <a:p>
-            <a:r>
-              <a:rPr lang="en-IN" dirty="0" smtClean="0"/>
-              <a:t>Eliminates the lack of Trust and Transparency</a:t>
-            </a:r>
-          </a:p>
-          <a:p>
-            <a:r>
-              <a:rPr lang="en-IN" dirty="0" smtClean="0"/>
-              <a:t>Eliminates the Existence of Middleman</a:t>
-            </a:r>
-          </a:p>
-          <a:p>
-            <a:r>
-              <a:rPr lang="en-IN" dirty="0" smtClean="0"/>
-              <a:t>Decentralised System</a:t>
-            </a:r>
-          </a:p>
-          <a:p>
-            <a:r>
-              <a:rPr lang="en-IN" dirty="0" smtClean="0"/>
-              <a:t>More Secure</a:t>
-            </a:r>
-          </a:p>
-        </p:txBody>
-      </p:sp>
-      <p:sp>
-        <p:nvSpPr>
-          <p:cNvPr id="4" name="Slide Number Placeholder 3">
-            <a:extLst>
-              <a:ext uri="{FF2B5EF4-FFF2-40B4-BE49-F238E27FC236}">
-                <a16:creationId xmlns:a16="http://schemas.microsoft.com/office/drawing/2014/main" id="{ADB3CEA3-3918-4F21-8043-C7B0B13D89C6}"/>
-              </a:ext>
-            </a:extLst>
-          </p:cNvPr>
+              <a:rPr lang="en-US" dirty="0" smtClean="0">
+                <a:latin typeface="Calibri" panose="020F0502020204030204" pitchFamily="34" charset="0"/>
+                <a:cs typeface="Times New Roman" panose="02020603050405020304" pitchFamily="18" charset="0"/>
+              </a:rPr>
+              <a:t>How It Works</a:t>
+            </a:r>
+            <a:endParaRPr lang="en-IN" dirty="0"/>
+          </a:p>
+        </p:txBody>
+      </p:sp>
+      <p:sp>
+        <p:nvSpPr>
+          <p:cNvPr id="4" name="Slide Number Placeholder 3"/>
           <p:cNvSpPr>
             <a:spLocks noGrp="1"/>
           </p:cNvSpPr>
@@ -6150,23 +6939,45 @@
           </a:p>
         </p:txBody>
       </p:sp>
+      <p:pic>
+        <p:nvPicPr>
+          <p:cNvPr id="6" name="Content Placeholder 5"/>
+          <p:cNvPicPr>
+            <a:picLocks noGrp="1" noChangeAspect="1"/>
+          </p:cNvPicPr>
+          <p:nvPr>
+            <p:ph idx="1"/>
+          </p:nvPr>
+        </p:nvPicPr>
+        <p:blipFill>
+          <a:blip r:embed="rId2">
+            <a:extLst>
+              <a:ext uri="{28A0092B-C50C-407E-A947-70E740481C1C}">
+                <a14:useLocalDpi xmlns:a14="http://schemas.microsoft.com/office/drawing/2010/main" val="0"/>
+              </a:ext>
+            </a:extLst>
+          </a:blip>
+          <a:stretch>
+            <a:fillRect/>
+          </a:stretch>
+        </p:blipFill>
+        <p:spPr>
+          <a:xfrm>
+            <a:off x="1830827" y="1825625"/>
+            <a:ext cx="8530345" cy="4351338"/>
+          </a:xfrm>
+        </p:spPr>
+      </p:pic>
     </p:spTree>
     <p:extLst>
       <p:ext uri="{BB962C8B-B14F-4D97-AF65-F5344CB8AC3E}">
-        <p14:creationId xmlns:p14="http://schemas.microsoft.com/office/powerpoint/2010/main" val="3485720571"/>
+        <p14:creationId xmlns:p14="http://schemas.microsoft.com/office/powerpoint/2010/main" val="719263523"/>
       </p:ext>
     </p:extLst>
   </p:cSld>
   <p:clrMapOvr>
     <a:masterClrMapping/>
   </p:clrMapOvr>
-  <p:timing>
-    <p:tnLst>
-      <p:par>
-        <p:cTn id="1" dur="indefinite" restart="never" nodeType="tmRoot"/>
-      </p:par>
-    </p:tnLst>
-  </p:timing>
 </p:sld>
 </file>
 
@@ -6189,13 +7000,7 @@
       </p:grpSpPr>
       <p:sp>
         <p:nvSpPr>
-          <p:cNvPr id="2" name="Title 1">
-            <a:extLst>
-              <a:ext uri="{FF2B5EF4-FFF2-40B4-BE49-F238E27FC236}">
-                <a16:creationId xmlns:a16="http://schemas.microsoft.com/office/drawing/2014/main" id="{B3E78310-F236-4657-9AA4-0596BCC909CD}"/>
-              </a:ext>
-            </a:extLst>
-          </p:cNvPr>
+          <p:cNvPr id="2" name="Title 1"/>
           <p:cNvSpPr>
             <a:spLocks noGrp="1"/>
           </p:cNvSpPr>
@@ -6209,22 +7014,16 @@
           <a:lstStyle/>
           <a:p>
             <a:r>
-              <a:rPr lang="en-US" dirty="0"/>
-              <a:t>Demo/ Prototype</a:t>
-            </a:r>
-            <a:endParaRPr lang="x-none" dirty="0"/>
-          </a:p>
-        </p:txBody>
-      </p:sp>
-      <p:sp>
-        <p:nvSpPr>
-          <p:cNvPr id="3" name="Content Placeholder 2">
-            <a:extLst>
-              <a:ext uri="{FF2B5EF4-FFF2-40B4-BE49-F238E27FC236}">
-                <a16:creationId xmlns:a16="http://schemas.microsoft.com/office/drawing/2014/main" id="{5BF884F5-5AD8-4A52-BC8D-5E653C44E65B}"/>
-              </a:ext>
-            </a:extLst>
-          </p:cNvPr>
+              <a:rPr lang="en-US" dirty="0" smtClean="0"/>
+              <a:t>How It Works…</a:t>
+            </a:r>
+            <a:endParaRPr lang="en-IN" dirty="0"/>
+          </a:p>
+        </p:txBody>
+      </p:sp>
+      <p:sp>
+        <p:nvSpPr>
+          <p:cNvPr id="3" name="Content Placeholder 2"/>
           <p:cNvSpPr>
             <a:spLocks noGrp="1"/>
           </p:cNvSpPr>
@@ -6234,120 +7033,196 @@
         </p:nvSpPr>
         <p:spPr/>
         <p:txBody>
-          <a:bodyPr/>
-          <a:lstStyle/>
-          <a:p>
-            <a:endParaRPr lang="en-IN" dirty="0" smtClean="0"/>
-          </a:p>
-          <a:p>
-            <a:pPr marL="0" indent="0" algn="ctr">
-              <a:buNone/>
+          <a:bodyPr>
+            <a:normAutofit fontScale="70000" lnSpcReduction="20000"/>
+          </a:bodyPr>
+          <a:lstStyle/>
+          <a:p>
+            <a:pPr marL="514350" indent="-514350">
+              <a:buFont typeface="+mj-lt"/>
+              <a:buAutoNum type="arabicPeriod"/>
             </a:pPr>
             <a:r>
-              <a:rPr lang="en-IN" dirty="0" smtClean="0"/>
-              <a:t>The</a:t>
-            </a:r>
-          </a:p>
-          <a:p>
-            <a:pPr marL="0" indent="0" algn="ctr">
-              <a:buNone/>
+              <a:rPr lang="en-US" sz="2900" dirty="0" smtClean="0"/>
+              <a:t>Insurance Service and Data Providers Designs Insurance Product</a:t>
+            </a:r>
+            <a:endParaRPr lang="en-IN" sz="2900" dirty="0" smtClean="0"/>
+          </a:p>
+          <a:p>
+            <a:pPr marL="514350" indent="-514350">
+              <a:buFont typeface="+mj-lt"/>
+              <a:buAutoNum type="arabicPeriod"/>
             </a:pPr>
             <a:r>
-              <a:rPr lang="en-IN" dirty="0" smtClean="0"/>
-              <a:t>Blockchain Technology Based</a:t>
-            </a:r>
-          </a:p>
-          <a:p>
-            <a:pPr marL="0" indent="0" algn="ctr">
-              <a:buNone/>
+              <a:rPr lang="en-IN" sz="2900" dirty="0" smtClean="0"/>
+              <a:t>Farmer Signs Up </a:t>
+            </a:r>
+            <a:r>
+              <a:rPr lang="en-IN" sz="2900" dirty="0"/>
+              <a:t>for </a:t>
+            </a:r>
+            <a:r>
+              <a:rPr lang="en-IN" sz="2900" dirty="0" smtClean="0"/>
+              <a:t>Weather Insurance Product - Registration </a:t>
+            </a:r>
+            <a:r>
+              <a:rPr lang="en-IN" sz="2900" dirty="0"/>
+              <a:t>Data and Policy Data is Set Up with Smart Contract</a:t>
+            </a:r>
+            <a:endParaRPr lang="en-IN" sz="2900" dirty="0" smtClean="0"/>
+          </a:p>
+          <a:p>
+            <a:pPr marL="514350" indent="-514350">
+              <a:buFont typeface="+mj-lt"/>
+              <a:buAutoNum type="arabicPeriod"/>
             </a:pPr>
             <a:r>
-              <a:rPr lang="en-IN" dirty="0" smtClean="0"/>
-              <a:t>Decentralized Crop </a:t>
-            </a:r>
-            <a:r>
-              <a:rPr lang="en-IN" dirty="0"/>
-              <a:t>Insurance Solution </a:t>
-            </a:r>
-            <a:endParaRPr lang="en-IN" dirty="0" smtClean="0"/>
-          </a:p>
-          <a:p>
-            <a:pPr marL="0" indent="0" algn="ctr">
-              <a:buNone/>
+              <a:rPr lang="en-IN" sz="2900" dirty="0" smtClean="0"/>
+              <a:t>Farmer Pays Premium to Insurance Company</a:t>
+            </a:r>
+            <a:endParaRPr lang="en-IN" sz="2900" dirty="0"/>
+          </a:p>
+          <a:p>
+            <a:pPr marL="514350" indent="-514350">
+              <a:buFont typeface="+mj-lt"/>
+              <a:buAutoNum type="arabicPeriod"/>
             </a:pPr>
             <a:r>
-              <a:rPr lang="en-IN" dirty="0" smtClean="0"/>
-              <a:t>– </a:t>
-            </a:r>
-          </a:p>
-          <a:p>
-            <a:pPr marL="0" indent="0" algn="ctr">
-              <a:buNone/>
+              <a:rPr lang="en-IN" sz="2900" dirty="0" smtClean="0"/>
+              <a:t>Through the Season </a:t>
+            </a:r>
+            <a:r>
+              <a:rPr lang="en-IN" sz="2900" dirty="0"/>
+              <a:t>the </a:t>
+            </a:r>
+            <a:r>
+              <a:rPr lang="en-IN" sz="2900" dirty="0" smtClean="0"/>
+              <a:t>Smart Contract Collects Weather Data from the Data Provider e.g</a:t>
+            </a:r>
+            <a:r>
+              <a:rPr lang="en-IN" sz="2900" dirty="0"/>
+              <a:t>. </a:t>
+            </a:r>
+            <a:endParaRPr lang="en-IN" sz="2900" dirty="0" smtClean="0"/>
+          </a:p>
+          <a:p>
+            <a:pPr lvl="2"/>
+            <a:r>
+              <a:rPr lang="en-IN" sz="2500" dirty="0" smtClean="0"/>
+              <a:t>Soil Temperature </a:t>
+            </a:r>
+            <a:r>
+              <a:rPr lang="en-IN" sz="2500" dirty="0"/>
+              <a:t>at different </a:t>
+            </a:r>
+            <a:r>
+              <a:rPr lang="en-IN" sz="2500" dirty="0" smtClean="0"/>
+              <a:t>heights</a:t>
+            </a:r>
+          </a:p>
+          <a:p>
+            <a:pPr lvl="2"/>
+            <a:r>
+              <a:rPr lang="en-IN" sz="2500" dirty="0" smtClean="0"/>
+              <a:t>Air Temperature</a:t>
+            </a:r>
+          </a:p>
+          <a:p>
+            <a:pPr lvl="2"/>
+            <a:r>
+              <a:rPr lang="en-IN" sz="2500" dirty="0" smtClean="0"/>
+              <a:t>Leaf Wetness</a:t>
+            </a:r>
+          </a:p>
+          <a:p>
+            <a:pPr lvl="2"/>
+            <a:r>
+              <a:rPr lang="en-IN" sz="2500" dirty="0" smtClean="0"/>
+              <a:t>Rainfall</a:t>
+            </a:r>
+          </a:p>
+          <a:p>
+            <a:pPr lvl="2"/>
+            <a:r>
+              <a:rPr lang="en-IN" sz="2500" dirty="0" smtClean="0"/>
+              <a:t>Wind Speed</a:t>
+            </a:r>
+          </a:p>
+          <a:p>
+            <a:pPr lvl="2"/>
+            <a:r>
+              <a:rPr lang="en-IN" sz="2500" dirty="0" smtClean="0"/>
+              <a:t>Relative Humidity</a:t>
+            </a:r>
+          </a:p>
+          <a:p>
+            <a:pPr lvl="2"/>
+            <a:r>
+              <a:rPr lang="en-IN" sz="2500" dirty="0" smtClean="0"/>
+              <a:t>Solar Radiation</a:t>
+            </a:r>
+          </a:p>
+          <a:p>
+            <a:pPr lvl="2"/>
+            <a:r>
+              <a:rPr lang="en-IN" sz="2500" dirty="0" smtClean="0"/>
+              <a:t>Wind Direction </a:t>
+            </a:r>
+            <a:r>
+              <a:rPr lang="en-IN" sz="2500" dirty="0"/>
+              <a:t>and </a:t>
+            </a:r>
+            <a:r>
+              <a:rPr lang="en-IN" sz="2500" dirty="0" smtClean="0"/>
+              <a:t>Atmospheric Pressure</a:t>
+            </a:r>
+            <a:endParaRPr lang="en-IN" sz="2500" dirty="0"/>
+          </a:p>
+          <a:p>
+            <a:pPr marL="514350" indent="-514350">
+              <a:buFont typeface="+mj-lt"/>
+              <a:buAutoNum type="arabicPeriod"/>
             </a:pPr>
             <a:r>
-              <a:rPr lang="en-IN" dirty="0" smtClean="0">
-                <a:hlinkClick r:id="rId2"/>
-              </a:rPr>
-              <a:t>Video - Crop </a:t>
-            </a:r>
-            <a:r>
-              <a:rPr lang="en-IN" dirty="0">
-                <a:hlinkClick r:id="rId2"/>
-              </a:rPr>
-              <a:t>Insurance Solution</a:t>
-            </a:r>
-            <a:endParaRPr lang="en-IN" dirty="0" smtClean="0"/>
-          </a:p>
-          <a:p>
-            <a:pPr marL="0" indent="0" algn="ctr">
-              <a:buNone/>
+              <a:rPr lang="en-IN" sz="2900" dirty="0" smtClean="0"/>
+              <a:t>When Weather Threshold </a:t>
+            </a:r>
+            <a:r>
+              <a:rPr lang="en-IN" sz="2900" dirty="0"/>
+              <a:t>is reached, </a:t>
+            </a:r>
+            <a:r>
+              <a:rPr lang="en-IN" sz="2900" dirty="0" smtClean="0"/>
+              <a:t>Smart Contract gets Triggered Automatically</a:t>
+            </a:r>
+          </a:p>
+          <a:p>
+            <a:pPr marL="514350" indent="-514350">
+              <a:buFont typeface="+mj-lt"/>
+              <a:buAutoNum type="arabicPeriod"/>
             </a:pPr>
             <a:r>
-              <a:rPr lang="en-US" dirty="0" smtClean="0">
-                <a:hlinkClick r:id="rId2"/>
-              </a:rPr>
-              <a:t>GitHub - </a:t>
-            </a:r>
-            <a:r>
-              <a:rPr lang="en-IN" dirty="0" smtClean="0">
-                <a:hlinkClick r:id="rId2"/>
-              </a:rPr>
-              <a:t>The </a:t>
-            </a:r>
-            <a:r>
-              <a:rPr lang="en-IN" dirty="0">
-                <a:hlinkClick r:id="rId2"/>
-              </a:rPr>
-              <a:t>Crop Insurance Solution</a:t>
-            </a:r>
-            <a:r>
-              <a:rPr lang="en-US" dirty="0" smtClean="0">
-                <a:hlinkClick r:id="rId3"/>
-              </a:rPr>
-              <a:t> </a:t>
-            </a:r>
-            <a:endParaRPr lang="en-US" dirty="0" smtClean="0"/>
-          </a:p>
-          <a:p>
-            <a:pPr marL="0" indent="0" algn="ctr">
-              <a:buNone/>
-            </a:pPr>
+              <a:rPr lang="en-IN" sz="2900" dirty="0" smtClean="0"/>
+              <a:t>Claim </a:t>
+            </a:r>
+            <a:r>
+              <a:rPr lang="en-IN" sz="2900" dirty="0" err="1" smtClean="0"/>
+              <a:t>Payout</a:t>
+            </a:r>
+            <a:r>
+              <a:rPr lang="en-IN" sz="2900" dirty="0" smtClean="0"/>
+              <a:t> happens to the Insured Farmer Automatically</a:t>
+            </a:r>
+            <a:endParaRPr lang="en-IN" sz="2900" dirty="0"/>
+          </a:p>
+          <a:p>
             <a:endParaRPr lang="en-IN" dirty="0"/>
           </a:p>
-          <a:p>
-            <a:endParaRPr lang="x-none" i="1" dirty="0"/>
-          </a:p>
-        </p:txBody>
-      </p:sp>
-      <p:sp>
-        <p:nvSpPr>
-          <p:cNvPr id="4" name="Slide Number Placeholder 3">
-            <a:extLst>
-              <a:ext uri="{FF2B5EF4-FFF2-40B4-BE49-F238E27FC236}">
-                <a16:creationId xmlns:a16="http://schemas.microsoft.com/office/drawing/2014/main" id="{145FA464-2810-402A-A0D5-84C355C1D18A}"/>
-              </a:ext>
-            </a:extLst>
-          </p:cNvPr>
+        </p:txBody>
+      </p:sp>
+      <p:sp>
+        <p:nvSpPr>
+          <p:cNvPr id="4" name="Slide Number Placeholder 3"/>
           <p:cNvSpPr>
             <a:spLocks noGrp="1"/>
           </p:cNvSpPr>
@@ -6372,20 +7247,13 @@
     </p:spTree>
     <p:extLst>
       <p:ext uri="{BB962C8B-B14F-4D97-AF65-F5344CB8AC3E}">
-        <p14:creationId xmlns:p14="http://schemas.microsoft.com/office/powerpoint/2010/main" val="1121421148"/>
+        <p14:creationId xmlns:p14="http://schemas.microsoft.com/office/powerpoint/2010/main" val="1950456764"/>
       </p:ext>
     </p:extLst>
   </p:cSld>
   <p:clrMapOvr>
     <a:masterClrMapping/>
   </p:clrMapOvr>
-  <p:timing>
-    <p:tnLst>
-      <p:par>
-        <p:cTn id="1" dur="indefinite" restart="never" nodeType="tmRoot"/>
-      </p:par>
-    </p:tnLst>
-  </p:timing>
 </p:sld>
 </file>
 
@@ -6411,7 +7279,7 @@
           <p:cNvPr id="2" name="Title 1">
             <a:extLst>
               <a:ext uri="{FF2B5EF4-FFF2-40B4-BE49-F238E27FC236}">
-                <a16:creationId xmlns:a16="http://schemas.microsoft.com/office/drawing/2014/main" id="{FE1401C1-B4D1-4DB1-8423-84A5863BEF30}"/>
+                <a16:creationId xmlns:a16="http://schemas.microsoft.com/office/drawing/2014/main" id="{A5236F04-B3EF-4A32-829D-784D1539C9FE}"/>
               </a:ext>
             </a:extLst>
           </p:cNvPr>
@@ -6428,8 +7296,8 @@
           <a:lstStyle/>
           <a:p>
             <a:r>
-              <a:rPr lang="en-US" dirty="0"/>
-              <a:t>Technology Stack</a:t>
+              <a:rPr lang="en-IN" dirty="0" smtClean="0"/>
+              <a:t>Problems Being Solved</a:t>
             </a:r>
             <a:endParaRPr lang="x-none" dirty="0"/>
           </a:p>
@@ -6440,7 +7308,7 @@
           <p:cNvPr id="3" name="Content Placeholder 2">
             <a:extLst>
               <a:ext uri="{FF2B5EF4-FFF2-40B4-BE49-F238E27FC236}">
-                <a16:creationId xmlns:a16="http://schemas.microsoft.com/office/drawing/2014/main" id="{F3BCB68E-A995-4B03-A068-DCE5C88FF8F5}"/>
+                <a16:creationId xmlns:a16="http://schemas.microsoft.com/office/drawing/2014/main" id="{C12DA82B-875F-43C1-A314-468D7B322B2E}"/>
               </a:ext>
             </a:extLst>
           </p:cNvPr>
@@ -6458,333 +7326,100 @@
           </a:bodyPr>
           <a:lstStyle/>
           <a:p>
-            <a:pPr lvl="0">
-              <a:lnSpc>
-                <a:spcPct val="107000"/>
-              </a:lnSpc>
-              <a:spcBef>
-                <a:spcPts val="0"/>
-              </a:spcBef>
-              <a:buFont typeface="Symbol" panose="05050102010706020507" pitchFamily="18" charset="2"/>
-              <a:buChar char=""/>
-            </a:pPr>
-            <a:r>
-              <a:rPr lang="en-IN" dirty="0">
-                <a:latin typeface="Calibri" panose="020F0502020204030204" pitchFamily="34" charset="0"/>
-                <a:ea typeface="Calibri" panose="020F0502020204030204" pitchFamily="34" charset="0"/>
-                <a:cs typeface="Times New Roman" panose="02020603050405020304" pitchFamily="18" charset="0"/>
-              </a:rPr>
-              <a:t>Ethereum </a:t>
-            </a:r>
-            <a:r>
-              <a:rPr lang="en-IN" dirty="0" smtClean="0">
-                <a:latin typeface="Calibri" panose="020F0502020204030204" pitchFamily="34" charset="0"/>
-                <a:ea typeface="Calibri" panose="020F0502020204030204" pitchFamily="34" charset="0"/>
-                <a:cs typeface="Times New Roman" panose="02020603050405020304" pitchFamily="18" charset="0"/>
-              </a:rPr>
-              <a:t>Smart Contracts </a:t>
-            </a:r>
-            <a:r>
-              <a:rPr lang="en-IN" dirty="0">
-                <a:latin typeface="Calibri" panose="020F0502020204030204" pitchFamily="34" charset="0"/>
-                <a:ea typeface="Calibri" panose="020F0502020204030204" pitchFamily="34" charset="0"/>
-                <a:cs typeface="Times New Roman" panose="02020603050405020304" pitchFamily="18" charset="0"/>
-              </a:rPr>
-              <a:t>– Solidity</a:t>
-            </a:r>
-          </a:p>
-          <a:p>
-            <a:pPr lvl="0">
-              <a:lnSpc>
-                <a:spcPct val="107000"/>
-              </a:lnSpc>
-              <a:spcBef>
-                <a:spcPts val="0"/>
-              </a:spcBef>
-              <a:buFont typeface="Symbol" panose="05050102010706020507" pitchFamily="18" charset="2"/>
-              <a:buChar char=""/>
-            </a:pPr>
-            <a:r>
-              <a:rPr lang="en-IN" dirty="0">
-                <a:latin typeface="Calibri" panose="020F0502020204030204" pitchFamily="34" charset="0"/>
-                <a:ea typeface="Calibri" panose="020F0502020204030204" pitchFamily="34" charset="0"/>
-                <a:cs typeface="Times New Roman" panose="02020603050405020304" pitchFamily="18" charset="0"/>
-              </a:rPr>
-              <a:t>Microsoft Azure </a:t>
-            </a:r>
-            <a:r>
-              <a:rPr lang="en-IN" dirty="0" smtClean="0">
-                <a:latin typeface="Calibri" panose="020F0502020204030204" pitchFamily="34" charset="0"/>
-                <a:ea typeface="Calibri" panose="020F0502020204030204" pitchFamily="34" charset="0"/>
-                <a:cs typeface="Times New Roman" panose="02020603050405020304" pitchFamily="18" charset="0"/>
-              </a:rPr>
-              <a:t>– Cloud Platform to Host the Blockchain Service</a:t>
-            </a:r>
-            <a:endParaRPr lang="en-IN" dirty="0">
-              <a:latin typeface="Calibri" panose="020F0502020204030204" pitchFamily="34" charset="0"/>
-              <a:ea typeface="Calibri" panose="020F0502020204030204" pitchFamily="34" charset="0"/>
-              <a:cs typeface="Times New Roman" panose="02020603050405020304" pitchFamily="18" charset="0"/>
-            </a:endParaRPr>
-          </a:p>
-          <a:p>
-            <a:pPr lvl="0">
-              <a:lnSpc>
-                <a:spcPct val="107000"/>
-              </a:lnSpc>
-              <a:spcBef>
-                <a:spcPts val="0"/>
-              </a:spcBef>
-              <a:buFont typeface="Symbol" panose="05050102010706020507" pitchFamily="18" charset="2"/>
-              <a:buChar char=""/>
-            </a:pPr>
-            <a:r>
-              <a:rPr lang="en-IN" dirty="0">
-                <a:latin typeface="Calibri" panose="020F0502020204030204" pitchFamily="34" charset="0"/>
-                <a:ea typeface="Calibri" panose="020F0502020204030204" pitchFamily="34" charset="0"/>
-                <a:cs typeface="Times New Roman" panose="02020603050405020304" pitchFamily="18" charset="0"/>
-              </a:rPr>
-              <a:t>Machine </a:t>
-            </a:r>
-            <a:r>
-              <a:rPr lang="en-IN" dirty="0" smtClean="0">
-                <a:latin typeface="Calibri" panose="020F0502020204030204" pitchFamily="34" charset="0"/>
-                <a:ea typeface="Calibri" panose="020F0502020204030204" pitchFamily="34" charset="0"/>
-                <a:cs typeface="Times New Roman" panose="02020603050405020304" pitchFamily="18" charset="0"/>
-              </a:rPr>
-              <a:t>Learning – For Weather and Wind Data Analysis</a:t>
-            </a:r>
-            <a:endParaRPr lang="en-IN" dirty="0">
-              <a:latin typeface="Calibri" panose="020F0502020204030204" pitchFamily="34" charset="0"/>
-              <a:ea typeface="Calibri" panose="020F0502020204030204" pitchFamily="34" charset="0"/>
-              <a:cs typeface="Times New Roman" panose="02020603050405020304" pitchFamily="18" charset="0"/>
-            </a:endParaRPr>
-          </a:p>
-          <a:p>
-            <a:pPr lvl="0">
-              <a:lnSpc>
-                <a:spcPct val="107000"/>
-              </a:lnSpc>
-              <a:spcBef>
-                <a:spcPts val="0"/>
-              </a:spcBef>
-              <a:buFont typeface="Symbol" panose="05050102010706020507" pitchFamily="18" charset="2"/>
-              <a:buChar char=""/>
-            </a:pPr>
-            <a:r>
-              <a:rPr lang="en-IN" dirty="0">
-                <a:latin typeface="Calibri" panose="020F0502020204030204" pitchFamily="34" charset="0"/>
-                <a:ea typeface="Calibri" panose="020F0502020204030204" pitchFamily="34" charset="0"/>
-                <a:cs typeface="Times New Roman" panose="02020603050405020304" pitchFamily="18" charset="0"/>
-              </a:rPr>
-              <a:t>HTML5, JavaScript, Node.js and </a:t>
-            </a:r>
-            <a:r>
-              <a:rPr lang="en-IN" dirty="0" smtClean="0">
-                <a:latin typeface="Calibri" panose="020F0502020204030204" pitchFamily="34" charset="0"/>
-                <a:ea typeface="Calibri" panose="020F0502020204030204" pitchFamily="34" charset="0"/>
-                <a:cs typeface="Times New Roman" panose="02020603050405020304" pitchFamily="18" charset="0"/>
-              </a:rPr>
-              <a:t>Web3.js – User Interface</a:t>
-            </a:r>
-            <a:endParaRPr lang="en-IN" dirty="0">
-              <a:latin typeface="Calibri" panose="020F0502020204030204" pitchFamily="34" charset="0"/>
-              <a:ea typeface="Calibri" panose="020F0502020204030204" pitchFamily="34" charset="0"/>
-              <a:cs typeface="Times New Roman" panose="02020603050405020304" pitchFamily="18" charset="0"/>
-            </a:endParaRPr>
-          </a:p>
-          <a:p>
-            <a:pPr lvl="0">
-              <a:lnSpc>
-                <a:spcPct val="107000"/>
-              </a:lnSpc>
-              <a:spcBef>
-                <a:spcPts val="0"/>
-              </a:spcBef>
-              <a:buFont typeface="Symbol" panose="05050102010706020507" pitchFamily="18" charset="2"/>
-              <a:buChar char=""/>
-            </a:pPr>
-            <a:r>
-              <a:rPr lang="en-IN" dirty="0" err="1">
-                <a:latin typeface="Calibri" panose="020F0502020204030204" pitchFamily="34" charset="0"/>
-                <a:ea typeface="Calibri" panose="020F0502020204030204" pitchFamily="34" charset="0"/>
-                <a:cs typeface="Times New Roman" panose="02020603050405020304" pitchFamily="18" charset="0"/>
-              </a:rPr>
-              <a:t>Ropsten</a:t>
-            </a:r>
-            <a:r>
-              <a:rPr lang="en-IN" dirty="0">
-                <a:latin typeface="Calibri" panose="020F0502020204030204" pitchFamily="34" charset="0"/>
-                <a:ea typeface="Calibri" panose="020F0502020204030204" pitchFamily="34" charset="0"/>
-                <a:cs typeface="Times New Roman" panose="02020603050405020304" pitchFamily="18" charset="0"/>
-              </a:rPr>
-              <a:t> </a:t>
-            </a:r>
-            <a:r>
-              <a:rPr lang="en-IN" dirty="0" err="1" smtClean="0">
-                <a:latin typeface="Calibri" panose="020F0502020204030204" pitchFamily="34" charset="0"/>
-                <a:ea typeface="Calibri" panose="020F0502020204030204" pitchFamily="34" charset="0"/>
-                <a:cs typeface="Times New Roman" panose="02020603050405020304" pitchFamily="18" charset="0"/>
-              </a:rPr>
-              <a:t>TestNet</a:t>
-            </a:r>
-            <a:r>
-              <a:rPr lang="en-IN" dirty="0" smtClean="0">
-                <a:latin typeface="Calibri" panose="020F0502020204030204" pitchFamily="34" charset="0"/>
-                <a:ea typeface="Calibri" panose="020F0502020204030204" pitchFamily="34" charset="0"/>
-                <a:cs typeface="Times New Roman" panose="02020603050405020304" pitchFamily="18" charset="0"/>
-              </a:rPr>
-              <a:t> – Test Framework</a:t>
-            </a:r>
-            <a:endParaRPr lang="en-IN" dirty="0">
-              <a:latin typeface="Calibri" panose="020F0502020204030204" pitchFamily="34" charset="0"/>
-              <a:ea typeface="Calibri" panose="020F0502020204030204" pitchFamily="34" charset="0"/>
-              <a:cs typeface="Times New Roman" panose="02020603050405020304" pitchFamily="18" charset="0"/>
-            </a:endParaRPr>
-          </a:p>
-          <a:p>
-            <a:pPr lvl="0">
-              <a:lnSpc>
-                <a:spcPct val="107000"/>
-              </a:lnSpc>
-              <a:spcBef>
-                <a:spcPts val="0"/>
-              </a:spcBef>
-              <a:buFont typeface="Symbol" panose="05050102010706020507" pitchFamily="18" charset="2"/>
-              <a:buChar char=""/>
-            </a:pPr>
-            <a:r>
-              <a:rPr lang="en-IN" dirty="0">
-                <a:latin typeface="Calibri" panose="020F0502020204030204" pitchFamily="34" charset="0"/>
-                <a:ea typeface="Calibri" panose="020F0502020204030204" pitchFamily="34" charset="0"/>
-                <a:cs typeface="Times New Roman" panose="02020603050405020304" pitchFamily="18" charset="0"/>
-              </a:rPr>
-              <a:t>Truffle framework</a:t>
-            </a:r>
-          </a:p>
-          <a:p>
-            <a:pPr lvl="0">
-              <a:lnSpc>
-                <a:spcPct val="107000"/>
-              </a:lnSpc>
-              <a:spcBef>
-                <a:spcPts val="0"/>
-              </a:spcBef>
-              <a:buFont typeface="Symbol" panose="05050102010706020507" pitchFamily="18" charset="2"/>
-              <a:buChar char=""/>
-            </a:pPr>
-            <a:r>
-              <a:rPr lang="en-IN" dirty="0" err="1" smtClean="0">
-                <a:latin typeface="Calibri" panose="020F0502020204030204" pitchFamily="34" charset="0"/>
-                <a:ea typeface="Calibri" panose="020F0502020204030204" pitchFamily="34" charset="0"/>
-                <a:cs typeface="Times New Roman" panose="02020603050405020304" pitchFamily="18" charset="0"/>
-              </a:rPr>
-              <a:t>MetaMask</a:t>
-            </a:r>
-            <a:r>
-              <a:rPr lang="en-IN" dirty="0" smtClean="0">
-                <a:latin typeface="Calibri" panose="020F0502020204030204" pitchFamily="34" charset="0"/>
-                <a:ea typeface="Calibri" panose="020F0502020204030204" pitchFamily="34" charset="0"/>
-                <a:cs typeface="Times New Roman" panose="02020603050405020304" pitchFamily="18" charset="0"/>
-              </a:rPr>
-              <a:t> – Digital Wallet Provider</a:t>
-            </a:r>
-            <a:endParaRPr lang="en-IN" dirty="0">
-              <a:latin typeface="Calibri" panose="020F0502020204030204" pitchFamily="34" charset="0"/>
-              <a:ea typeface="Calibri" panose="020F0502020204030204" pitchFamily="34" charset="0"/>
-              <a:cs typeface="Times New Roman" panose="02020603050405020304" pitchFamily="18" charset="0"/>
-            </a:endParaRPr>
-          </a:p>
-          <a:p>
-            <a:pPr lvl="0">
-              <a:lnSpc>
-                <a:spcPct val="107000"/>
-              </a:lnSpc>
-              <a:spcBef>
-                <a:spcPts val="0"/>
-              </a:spcBef>
-              <a:buFont typeface="Symbol" panose="05050102010706020507" pitchFamily="18" charset="2"/>
-              <a:buChar char=""/>
-            </a:pPr>
-            <a:r>
-              <a:rPr lang="en-IN" dirty="0">
-                <a:latin typeface="Calibri" panose="020F0502020204030204" pitchFamily="34" charset="0"/>
-                <a:ea typeface="Calibri" panose="020F0502020204030204" pitchFamily="34" charset="0"/>
-                <a:cs typeface="Times New Roman" panose="02020603050405020304" pitchFamily="18" charset="0"/>
-              </a:rPr>
-              <a:t>Remix </a:t>
-            </a:r>
-            <a:r>
-              <a:rPr lang="en-IN" dirty="0" smtClean="0">
-                <a:latin typeface="Calibri" panose="020F0502020204030204" pitchFamily="34" charset="0"/>
-                <a:ea typeface="Calibri" panose="020F0502020204030204" pitchFamily="34" charset="0"/>
-                <a:cs typeface="Times New Roman" panose="02020603050405020304" pitchFamily="18" charset="0"/>
-              </a:rPr>
-              <a:t>IDE – Development Environment</a:t>
-            </a:r>
-            <a:endParaRPr lang="en-IN" dirty="0">
-              <a:latin typeface="Calibri" panose="020F0502020204030204" pitchFamily="34" charset="0"/>
-              <a:ea typeface="Calibri" panose="020F0502020204030204" pitchFamily="34" charset="0"/>
-              <a:cs typeface="Times New Roman" panose="02020603050405020304" pitchFamily="18" charset="0"/>
-            </a:endParaRPr>
-          </a:p>
-          <a:p>
-            <a:pPr lvl="0">
-              <a:lnSpc>
-                <a:spcPct val="107000"/>
-              </a:lnSpc>
-              <a:spcBef>
-                <a:spcPts val="0"/>
-              </a:spcBef>
-              <a:buFont typeface="Symbol" panose="05050102010706020507" pitchFamily="18" charset="2"/>
-              <a:buChar char=""/>
-            </a:pPr>
-            <a:r>
-              <a:rPr lang="en-IN" dirty="0" smtClean="0">
-                <a:latin typeface="Calibri" panose="020F0502020204030204" pitchFamily="34" charset="0"/>
-                <a:ea typeface="Calibri" panose="020F0502020204030204" pitchFamily="34" charset="0"/>
-                <a:cs typeface="Times New Roman" panose="02020603050405020304" pitchFamily="18" charset="0"/>
-              </a:rPr>
-              <a:t>Mobility – Mobile Interface</a:t>
-            </a:r>
-            <a:endParaRPr lang="en-US" dirty="0" smtClean="0">
-              <a:latin typeface="Calibri" panose="020F0502020204030204" pitchFamily="34" charset="0"/>
-              <a:ea typeface="Calibri" panose="020F0502020204030204" pitchFamily="34" charset="0"/>
-              <a:cs typeface="Times New Roman" panose="02020603050405020304" pitchFamily="18" charset="0"/>
-            </a:endParaRPr>
-          </a:p>
-          <a:p>
-            <a:pPr lvl="0">
-              <a:lnSpc>
-                <a:spcPct val="107000"/>
-              </a:lnSpc>
-              <a:spcBef>
-                <a:spcPts val="0"/>
-              </a:spcBef>
-              <a:buFont typeface="Symbol" panose="05050102010706020507" pitchFamily="18" charset="2"/>
-              <a:buChar char=""/>
-            </a:pPr>
-            <a:endParaRPr lang="en-US" dirty="0" smtClean="0">
-              <a:latin typeface="Calibri" panose="020F0502020204030204" pitchFamily="34" charset="0"/>
-              <a:ea typeface="Calibri" panose="020F0502020204030204" pitchFamily="34" charset="0"/>
-              <a:cs typeface="Times New Roman" panose="02020603050405020304" pitchFamily="18" charset="0"/>
-            </a:endParaRPr>
-          </a:p>
-          <a:p>
-            <a:pPr lvl="0">
-              <a:lnSpc>
-                <a:spcPct val="107000"/>
-              </a:lnSpc>
-              <a:spcBef>
-                <a:spcPts val="0"/>
-              </a:spcBef>
-              <a:buFont typeface="Symbol" panose="05050102010706020507" pitchFamily="18" charset="2"/>
-              <a:buChar char=""/>
-            </a:pPr>
-            <a:endParaRPr lang="en-US" dirty="0">
-              <a:latin typeface="Calibri" panose="020F0502020204030204" pitchFamily="34" charset="0"/>
-              <a:ea typeface="Calibri" panose="020F0502020204030204" pitchFamily="34" charset="0"/>
-              <a:cs typeface="Times New Roman" panose="02020603050405020304" pitchFamily="18" charset="0"/>
-            </a:endParaRPr>
+            <a:r>
+              <a:rPr lang="en-IN" sz="2000" dirty="0"/>
+              <a:t>Increased Efficiency for </a:t>
+            </a:r>
+            <a:r>
+              <a:rPr lang="en-IN" sz="2000" dirty="0" smtClean="0"/>
+              <a:t>Farmers</a:t>
+            </a:r>
+          </a:p>
+          <a:p>
+            <a:r>
+              <a:rPr lang="en-IN" sz="2000" dirty="0" smtClean="0"/>
+              <a:t>Fairer </a:t>
+            </a:r>
+            <a:r>
+              <a:rPr lang="en-IN" sz="2000" dirty="0"/>
+              <a:t>Payment for </a:t>
+            </a:r>
+            <a:r>
+              <a:rPr lang="en-IN" sz="2000" dirty="0" smtClean="0"/>
+              <a:t>Farmers</a:t>
+            </a:r>
+          </a:p>
+          <a:p>
+            <a:r>
+              <a:rPr lang="en-IN" sz="2000" dirty="0" smtClean="0"/>
+              <a:t>Farmers </a:t>
+            </a:r>
+            <a:r>
+              <a:rPr lang="en-IN" sz="2000" dirty="0"/>
+              <a:t>can Quickly get the Claims through Smart </a:t>
+            </a:r>
+            <a:r>
+              <a:rPr lang="en-IN" sz="2000" dirty="0" smtClean="0"/>
+              <a:t>Contracts</a:t>
+            </a:r>
+          </a:p>
+          <a:p>
+            <a:r>
+              <a:rPr lang="en-IN" sz="2000" dirty="0" smtClean="0"/>
+              <a:t>Farmers </a:t>
+            </a:r>
+            <a:r>
+              <a:rPr lang="en-IN" sz="2000" dirty="0"/>
+              <a:t>can Take Preventive </a:t>
+            </a:r>
+            <a:r>
+              <a:rPr lang="en-IN" sz="2000" dirty="0" smtClean="0"/>
+              <a:t>Actions</a:t>
+            </a:r>
+          </a:p>
+          <a:p>
+            <a:r>
+              <a:rPr lang="en-IN" sz="2000" dirty="0" smtClean="0"/>
+              <a:t>Eliminates </a:t>
+            </a:r>
+            <a:r>
+              <a:rPr lang="en-IN" sz="2000" dirty="0" smtClean="0"/>
+              <a:t>the lack of Trust and </a:t>
+            </a:r>
+            <a:r>
+              <a:rPr lang="en-IN" sz="2000" dirty="0" smtClean="0"/>
+              <a:t>Transparency</a:t>
+            </a:r>
+          </a:p>
+          <a:p>
+            <a:r>
+              <a:rPr lang="en-IN" sz="2000" dirty="0" smtClean="0"/>
+              <a:t>Eliminates </a:t>
+            </a:r>
+            <a:r>
+              <a:rPr lang="en-IN" sz="2000" dirty="0" smtClean="0"/>
+              <a:t>the Existence of </a:t>
+            </a:r>
+            <a:r>
+              <a:rPr lang="en-IN" sz="2000" dirty="0" smtClean="0"/>
+              <a:t>Middleman</a:t>
+            </a:r>
+          </a:p>
+          <a:p>
+            <a:r>
+              <a:rPr lang="en-IN" sz="2000" dirty="0" smtClean="0"/>
+              <a:t>Decentralised System</a:t>
+            </a:r>
+          </a:p>
+          <a:p>
+            <a:r>
+              <a:rPr lang="en-IN" sz="2000" dirty="0" smtClean="0"/>
+              <a:t>More </a:t>
+            </a:r>
+            <a:r>
+              <a:rPr lang="en-IN" sz="2000" dirty="0" smtClean="0"/>
+              <a:t>Secure</a:t>
+            </a:r>
           </a:p>
         </p:txBody>
       </p:sp>
@@ -6793,7 +7428,7 @@
           <p:cNvPr id="4" name="Slide Number Placeholder 3">
             <a:extLst>
               <a:ext uri="{FF2B5EF4-FFF2-40B4-BE49-F238E27FC236}">
-                <a16:creationId xmlns:a16="http://schemas.microsoft.com/office/drawing/2014/main" id="{3316F4E0-730A-4FEE-9017-EE74B1C06734}"/>
+                <a16:creationId xmlns:a16="http://schemas.microsoft.com/office/drawing/2014/main" id="{ADB3CEA3-3918-4F21-8043-C7B0B13D89C6}"/>
               </a:ext>
             </a:extLst>
           </p:cNvPr>
@@ -6821,7 +7456,7 @@
     </p:spTree>
     <p:extLst>
       <p:ext uri="{BB962C8B-B14F-4D97-AF65-F5344CB8AC3E}">
-        <p14:creationId xmlns:p14="http://schemas.microsoft.com/office/powerpoint/2010/main" val="2710496697"/>
+        <p14:creationId xmlns:p14="http://schemas.microsoft.com/office/powerpoint/2010/main" val="3485720571"/>
       </p:ext>
     </p:extLst>
   </p:cSld>

--- a/Decentralized Crop Insurance Solution.pptx
+++ b/Decentralized Crop Insurance Solution.pptx
@@ -837,7 +837,7 @@
             <a:fld id="{543B8876-8781-4047-8CE5-1D813D7FC77F}" type="datetime8">
               <a:rPr lang="x-none" smtClean="0"/>
               <a:pPr/>
-              <a:t>24-11-2019 10:54</a:t>
+              <a:t>24-11-2019 12:26</a:t>
             </a:fld>
             <a:endParaRPr lang="x-none"/>
           </a:p>
@@ -1039,7 +1039,7 @@
             <a:fld id="{5DF7619D-40A3-4EBA-BFBE-A7151DBA219C}" type="datetime8">
               <a:rPr lang="x-none" smtClean="0"/>
               <a:pPr/>
-              <a:t>24-11-2019 10:54</a:t>
+              <a:t>24-11-2019 12:26</a:t>
             </a:fld>
             <a:endParaRPr lang="x-none"/>
           </a:p>
@@ -1251,7 +1251,7 @@
             <a:fld id="{FA7BC6A9-4CF0-4EC3-A54E-BA7D4E39DD56}" type="datetime8">
               <a:rPr lang="x-none" smtClean="0"/>
               <a:pPr/>
-              <a:t>24-11-2019 10:54</a:t>
+              <a:t>24-11-2019 12:26</a:t>
             </a:fld>
             <a:endParaRPr lang="x-none"/>
           </a:p>
@@ -1453,7 +1453,7 @@
             <a:fld id="{B5160B0B-0905-4F80-9B79-6ED48855F355}" type="datetime8">
               <a:rPr lang="x-none" smtClean="0"/>
               <a:pPr/>
-              <a:t>24-11-2019 10:54</a:t>
+              <a:t>24-11-2019 12:26</a:t>
             </a:fld>
             <a:endParaRPr lang="x-none"/>
           </a:p>
@@ -1731,7 +1731,7 @@
             <a:fld id="{F77771E0-D1A0-495A-A685-4E4503F9074D}" type="datetime8">
               <a:rPr lang="x-none" smtClean="0"/>
               <a:pPr/>
-              <a:t>24-11-2019 10:54</a:t>
+              <a:t>24-11-2019 12:26</a:t>
             </a:fld>
             <a:endParaRPr lang="x-none"/>
           </a:p>
@@ -2001,7 +2001,7 @@
             <a:fld id="{C98FE287-2B1B-4053-9336-FD8ADED2A25E}" type="datetime8">
               <a:rPr lang="x-none" smtClean="0"/>
               <a:pPr/>
-              <a:t>24-11-2019 10:54</a:t>
+              <a:t>24-11-2019 12:26</a:t>
             </a:fld>
             <a:endParaRPr lang="x-none"/>
           </a:p>
@@ -2418,7 +2418,7 @@
             <a:fld id="{FAFEC031-5F87-4A57-81D2-081FD130CAF5}" type="datetime8">
               <a:rPr lang="x-none" smtClean="0"/>
               <a:pPr/>
-              <a:t>24-11-2019 10:54</a:t>
+              <a:t>24-11-2019 12:26</a:t>
             </a:fld>
             <a:endParaRPr lang="x-none"/>
           </a:p>
@@ -2562,7 +2562,7 @@
             <a:fld id="{6E507422-109C-4C1C-B1EB-63AEC703E02F}" type="datetime8">
               <a:rPr lang="x-none" smtClean="0"/>
               <a:pPr/>
-              <a:t>24-11-2019 10:54</a:t>
+              <a:t>24-11-2019 12:26</a:t>
             </a:fld>
             <a:endParaRPr lang="x-none"/>
           </a:p>
@@ -2677,7 +2677,7 @@
             <a:fld id="{AD6B5F6E-A40D-44F4-A146-BD04EAF16D32}" type="datetime8">
               <a:rPr lang="x-none" smtClean="0"/>
               <a:pPr/>
-              <a:t>24-11-2019 10:54</a:t>
+              <a:t>24-11-2019 12:26</a:t>
             </a:fld>
             <a:endParaRPr lang="x-none"/>
           </a:p>
@@ -2992,7 +2992,7 @@
             <a:fld id="{589E83A2-32B4-44C6-94CC-A08A017D02CF}" type="datetime8">
               <a:rPr lang="x-none" smtClean="0"/>
               <a:pPr/>
-              <a:t>24-11-2019 10:54</a:t>
+              <a:t>24-11-2019 12:26</a:t>
             </a:fld>
             <a:endParaRPr lang="x-none"/>
           </a:p>
@@ -3283,7 +3283,7 @@
             <a:fld id="{D9028CC8-D893-4944-A0C0-4475208982C3}" type="datetime8">
               <a:rPr lang="x-none" smtClean="0"/>
               <a:pPr/>
-              <a:t>24-11-2019 10:54</a:t>
+              <a:t>24-11-2019 12:26</a:t>
             </a:fld>
             <a:endParaRPr lang="x-none"/>
           </a:p>
@@ -3528,7 +3528,7 @@
             <a:fld id="{F828E01B-D182-46E2-8D8F-B81C922CC6F0}" type="datetime8">
               <a:rPr lang="x-none" smtClean="0"/>
               <a:pPr/>
-              <a:t>24-11-2019 10:54</a:t>
+              <a:t>24-11-2019 12:26</a:t>
             </a:fld>
             <a:endParaRPr lang="x-none"/>
           </a:p>
@@ -4466,15 +4466,7 @@
                 <a:ea typeface="Calibri" panose="020F0502020204030204" pitchFamily="34" charset="0"/>
                 <a:cs typeface="Times New Roman" panose="02020603050405020304" pitchFamily="18" charset="0"/>
               </a:rPr>
-              <a:t>– Cloud Platform to Host the Blockchain </a:t>
-            </a:r>
-            <a:r>
-              <a:rPr lang="en-IN" sz="2000" dirty="0" smtClean="0">
-                <a:latin typeface="Calibri" panose="020F0502020204030204" pitchFamily="34" charset="0"/>
-                <a:ea typeface="Calibri" panose="020F0502020204030204" pitchFamily="34" charset="0"/>
-                <a:cs typeface="Times New Roman" panose="02020603050405020304" pitchFamily="18" charset="0"/>
-              </a:rPr>
-              <a:t>Service</a:t>
+              <a:t>– Cloud Platform to Host the Blockchain Service</a:t>
             </a:r>
           </a:p>
           <a:p>
@@ -4515,15 +4507,7 @@
                 <a:ea typeface="Calibri" panose="020F0502020204030204" pitchFamily="34" charset="0"/>
                 <a:cs typeface="Times New Roman" panose="02020603050405020304" pitchFamily="18" charset="0"/>
               </a:rPr>
-              <a:t>Learning – For Weather and Wind Data </a:t>
-            </a:r>
-            <a:r>
-              <a:rPr lang="en-IN" sz="2000" dirty="0" smtClean="0">
-                <a:latin typeface="Calibri" panose="020F0502020204030204" pitchFamily="34" charset="0"/>
-                <a:ea typeface="Calibri" panose="020F0502020204030204" pitchFamily="34" charset="0"/>
-                <a:cs typeface="Times New Roman" panose="02020603050405020304" pitchFamily="18" charset="0"/>
-              </a:rPr>
-              <a:t>Analysis</a:t>
+              <a:t>Learning – For Weather and Wind Data Analysis</a:t>
             </a:r>
           </a:p>
           <a:p>
@@ -4564,15 +4548,7 @@
                 <a:ea typeface="Calibri" panose="020F0502020204030204" pitchFamily="34" charset="0"/>
                 <a:cs typeface="Times New Roman" panose="02020603050405020304" pitchFamily="18" charset="0"/>
               </a:rPr>
-              <a:t>Web3.js – User </a:t>
-            </a:r>
-            <a:r>
-              <a:rPr lang="en-IN" sz="2000" dirty="0" smtClean="0">
-                <a:latin typeface="Calibri" panose="020F0502020204030204" pitchFamily="34" charset="0"/>
-                <a:ea typeface="Calibri" panose="020F0502020204030204" pitchFamily="34" charset="0"/>
-                <a:cs typeface="Times New Roman" panose="02020603050405020304" pitchFamily="18" charset="0"/>
-              </a:rPr>
-              <a:t>Interface</a:t>
+              <a:t>Web3.js – User Interface</a:t>
             </a:r>
           </a:p>
           <a:p>
@@ -4629,15 +4605,7 @@
                 <a:ea typeface="Calibri" panose="020F0502020204030204" pitchFamily="34" charset="0"/>
                 <a:cs typeface="Times New Roman" panose="02020603050405020304" pitchFamily="18" charset="0"/>
               </a:rPr>
-              <a:t> – Test </a:t>
-            </a:r>
-            <a:r>
-              <a:rPr lang="en-IN" sz="2000" dirty="0" smtClean="0">
-                <a:latin typeface="Calibri" panose="020F0502020204030204" pitchFamily="34" charset="0"/>
-                <a:ea typeface="Calibri" panose="020F0502020204030204" pitchFamily="34" charset="0"/>
-                <a:cs typeface="Times New Roman" panose="02020603050405020304" pitchFamily="18" charset="0"/>
-              </a:rPr>
-              <a:t>Framework</a:t>
+              <a:t> – Test Framework</a:t>
             </a:r>
           </a:p>
           <a:p>
@@ -4719,15 +4687,7 @@
                 <a:ea typeface="Calibri" panose="020F0502020204030204" pitchFamily="34" charset="0"/>
                 <a:cs typeface="Times New Roman" panose="02020603050405020304" pitchFamily="18" charset="0"/>
               </a:rPr>
-              <a:t> – Digital Wallet </a:t>
-            </a:r>
-            <a:r>
-              <a:rPr lang="en-IN" sz="2000" dirty="0" smtClean="0">
-                <a:latin typeface="Calibri" panose="020F0502020204030204" pitchFamily="34" charset="0"/>
-                <a:ea typeface="Calibri" panose="020F0502020204030204" pitchFamily="34" charset="0"/>
-                <a:cs typeface="Times New Roman" panose="02020603050405020304" pitchFamily="18" charset="0"/>
-              </a:rPr>
-              <a:t>Provider</a:t>
+              <a:t> – Digital Wallet Provider</a:t>
             </a:r>
           </a:p>
           <a:p>
@@ -4768,15 +4728,7 @@
                 <a:ea typeface="Calibri" panose="020F0502020204030204" pitchFamily="34" charset="0"/>
                 <a:cs typeface="Times New Roman" panose="02020603050405020304" pitchFamily="18" charset="0"/>
               </a:rPr>
-              <a:t>IDE – Development </a:t>
-            </a:r>
-            <a:r>
-              <a:rPr lang="en-IN" sz="2000" dirty="0" smtClean="0">
-                <a:latin typeface="Calibri" panose="020F0502020204030204" pitchFamily="34" charset="0"/>
-                <a:ea typeface="Calibri" panose="020F0502020204030204" pitchFamily="34" charset="0"/>
-                <a:cs typeface="Times New Roman" panose="02020603050405020304" pitchFamily="18" charset="0"/>
-              </a:rPr>
-              <a:t>Environment</a:t>
+              <a:t>IDE – Development Environment</a:t>
             </a:r>
           </a:p>
           <a:p>
@@ -5786,11 +5738,6 @@
               </a:rPr>
               <a:t>How It Works</a:t>
             </a:r>
-            <a:endParaRPr lang="en-US" sz="2000" dirty="0" smtClean="0">
-              <a:latin typeface="Calibri" panose="020F0502020204030204" pitchFamily="34" charset="0"/>
-              <a:ea typeface="Calibri" panose="020F0502020204030204" pitchFamily="34" charset="0"/>
-              <a:cs typeface="Times New Roman" panose="02020603050405020304" pitchFamily="18" charset="0"/>
-            </a:endParaRPr>
           </a:p>
           <a:p>
             <a:pPr lvl="0">
@@ -6009,11 +5956,7 @@
             </a:r>
             <a:r>
               <a:rPr lang="en-IN" sz="2000" dirty="0" smtClean="0"/>
-              <a:t>Reap </a:t>
-            </a:r>
-            <a:r>
-              <a:rPr lang="en-IN" sz="2000" dirty="0" smtClean="0"/>
-              <a:t>Benefits</a:t>
+              <a:t>Reap Benefits</a:t>
             </a:r>
           </a:p>
           <a:p>
@@ -6030,11 +5973,7 @@
             </a:r>
             <a:r>
               <a:rPr lang="en-US" sz="2000" dirty="0" smtClean="0"/>
-              <a:t>Unfairly, Don’t Understand </a:t>
-            </a:r>
-            <a:r>
-              <a:rPr lang="en-US" sz="2000" dirty="0" smtClean="0"/>
-              <a:t>Policies</a:t>
+              <a:t>Unfairly, Don’t Understand Policies</a:t>
             </a:r>
           </a:p>
           <a:p>
@@ -6043,11 +5982,7 @@
           <a:p>
             <a:r>
               <a:rPr lang="en-IN" sz="2000" dirty="0" smtClean="0"/>
-              <a:t>Insurance Companies Have Different Reasons To Not To Pay Out </a:t>
-            </a:r>
-            <a:r>
-              <a:rPr lang="en-IN" sz="2000" dirty="0" smtClean="0"/>
-              <a:t>Claims</a:t>
+              <a:t>Insurance Companies Have Different Reasons To Not To Pay Out Claims</a:t>
             </a:r>
           </a:p>
           <a:p>
@@ -6060,11 +5995,7 @@
             </a:r>
             <a:r>
               <a:rPr lang="en-IN" sz="2000" dirty="0" smtClean="0"/>
-              <a:t>Companies are Having No Trust and </a:t>
-            </a:r>
-            <a:r>
-              <a:rPr lang="en-IN" sz="2000" dirty="0" smtClean="0"/>
-              <a:t>Transparency</a:t>
+              <a:t>Companies are Having No Trust and Transparency</a:t>
             </a:r>
           </a:p>
           <a:p>
@@ -6093,11 +6024,7 @@
             </a:r>
             <a:r>
               <a:rPr lang="en-IN" sz="2000" dirty="0" smtClean="0"/>
-              <a:t>Protect </a:t>
-            </a:r>
-            <a:r>
-              <a:rPr lang="en-IN" sz="2000" dirty="0" smtClean="0"/>
-              <a:t>Farmers</a:t>
+              <a:t>Protect Farmers</a:t>
             </a:r>
           </a:p>
           <a:p>
@@ -7380,29 +7307,13 @@
           <a:p>
             <a:r>
               <a:rPr lang="en-IN" sz="2000" dirty="0" smtClean="0"/>
-              <a:t>Eliminates </a:t>
-            </a:r>
+              <a:t>Eliminates the lack of Trust and Transparency</a:t>
+            </a:r>
+          </a:p>
+          <a:p>
             <a:r>
               <a:rPr lang="en-IN" sz="2000" dirty="0" smtClean="0"/>
-              <a:t>the lack of Trust and </a:t>
-            </a:r>
-            <a:r>
-              <a:rPr lang="en-IN" sz="2000" dirty="0" smtClean="0"/>
-              <a:t>Transparency</a:t>
-            </a:r>
-          </a:p>
-          <a:p>
-            <a:r>
-              <a:rPr lang="en-IN" sz="2000" dirty="0" smtClean="0"/>
-              <a:t>Eliminates </a:t>
-            </a:r>
-            <a:r>
-              <a:rPr lang="en-IN" sz="2000" dirty="0" smtClean="0"/>
-              <a:t>the Existence of </a:t>
-            </a:r>
-            <a:r>
-              <a:rPr lang="en-IN" sz="2000" dirty="0" smtClean="0"/>
-              <a:t>Middleman</a:t>
+              <a:t>Eliminates the Existence of Middleman</a:t>
             </a:r>
           </a:p>
           <a:p>
@@ -7414,11 +7325,7 @@
           <a:p>
             <a:r>
               <a:rPr lang="en-IN" sz="2000" dirty="0" smtClean="0"/>
-              <a:t>More </a:t>
-            </a:r>
-            <a:r>
-              <a:rPr lang="en-IN" sz="2000" dirty="0" smtClean="0"/>
-              <a:t>Secure</a:t>
+              <a:t>More Secure</a:t>
             </a:r>
           </a:p>
         </p:txBody>

--- a/Decentralized Crop Insurance Solution.pptx
+++ b/Decentralized Crop Insurance Solution.pptx
@@ -237,7 +237,7 @@
             <a:fld id="{CDE5CB98-0069-4C9D-8ABD-AB48765DD620}" type="datetimeFigureOut">
               <a:rPr lang="x-none" smtClean="0"/>
               <a:pPr/>
-              <a:t>24-11-2019</a:t>
+              <a:t>25-11-2019</a:t>
             </a:fld>
             <a:endParaRPr lang="x-none"/>
           </a:p>
@@ -417,7 +417,7 @@
             <a:fld id="{D7E5E058-51DA-4ED6-AE85-AEF3354003AC}" type="datetimeFigureOut">
               <a:rPr lang="x-none" smtClean="0"/>
               <a:pPr/>
-              <a:t>24-11-2019</a:t>
+              <a:t>25-11-2019</a:t>
             </a:fld>
             <a:endParaRPr lang="x-none"/>
           </a:p>
@@ -837,7 +837,7 @@
             <a:fld id="{543B8876-8781-4047-8CE5-1D813D7FC77F}" type="datetime8">
               <a:rPr lang="x-none" smtClean="0"/>
               <a:pPr/>
-              <a:t>24-11-2019 12:26</a:t>
+              <a:t>25-11-2019 09:09</a:t>
             </a:fld>
             <a:endParaRPr lang="x-none"/>
           </a:p>
@@ -1039,7 +1039,7 @@
             <a:fld id="{5DF7619D-40A3-4EBA-BFBE-A7151DBA219C}" type="datetime8">
               <a:rPr lang="x-none" smtClean="0"/>
               <a:pPr/>
-              <a:t>24-11-2019 12:26</a:t>
+              <a:t>25-11-2019 09:09</a:t>
             </a:fld>
             <a:endParaRPr lang="x-none"/>
           </a:p>
@@ -1251,7 +1251,7 @@
             <a:fld id="{FA7BC6A9-4CF0-4EC3-A54E-BA7D4E39DD56}" type="datetime8">
               <a:rPr lang="x-none" smtClean="0"/>
               <a:pPr/>
-              <a:t>24-11-2019 12:26</a:t>
+              <a:t>25-11-2019 09:09</a:t>
             </a:fld>
             <a:endParaRPr lang="x-none"/>
           </a:p>
@@ -1453,7 +1453,7 @@
             <a:fld id="{B5160B0B-0905-4F80-9B79-6ED48855F355}" type="datetime8">
               <a:rPr lang="x-none" smtClean="0"/>
               <a:pPr/>
-              <a:t>24-11-2019 12:26</a:t>
+              <a:t>25-11-2019 09:09</a:t>
             </a:fld>
             <a:endParaRPr lang="x-none"/>
           </a:p>
@@ -1731,7 +1731,7 @@
             <a:fld id="{F77771E0-D1A0-495A-A685-4E4503F9074D}" type="datetime8">
               <a:rPr lang="x-none" smtClean="0"/>
               <a:pPr/>
-              <a:t>24-11-2019 12:26</a:t>
+              <a:t>25-11-2019 09:09</a:t>
             </a:fld>
             <a:endParaRPr lang="x-none"/>
           </a:p>
@@ -2001,7 +2001,7 @@
             <a:fld id="{C98FE287-2B1B-4053-9336-FD8ADED2A25E}" type="datetime8">
               <a:rPr lang="x-none" smtClean="0"/>
               <a:pPr/>
-              <a:t>24-11-2019 12:26</a:t>
+              <a:t>25-11-2019 09:09</a:t>
             </a:fld>
             <a:endParaRPr lang="x-none"/>
           </a:p>
@@ -2418,7 +2418,7 @@
             <a:fld id="{FAFEC031-5F87-4A57-81D2-081FD130CAF5}" type="datetime8">
               <a:rPr lang="x-none" smtClean="0"/>
               <a:pPr/>
-              <a:t>24-11-2019 12:26</a:t>
+              <a:t>25-11-2019 09:09</a:t>
             </a:fld>
             <a:endParaRPr lang="x-none"/>
           </a:p>
@@ -2562,7 +2562,7 @@
             <a:fld id="{6E507422-109C-4C1C-B1EB-63AEC703E02F}" type="datetime8">
               <a:rPr lang="x-none" smtClean="0"/>
               <a:pPr/>
-              <a:t>24-11-2019 12:26</a:t>
+              <a:t>25-11-2019 09:09</a:t>
             </a:fld>
             <a:endParaRPr lang="x-none"/>
           </a:p>
@@ -2677,7 +2677,7 @@
             <a:fld id="{AD6B5F6E-A40D-44F4-A146-BD04EAF16D32}" type="datetime8">
               <a:rPr lang="x-none" smtClean="0"/>
               <a:pPr/>
-              <a:t>24-11-2019 12:26</a:t>
+              <a:t>25-11-2019 09:09</a:t>
             </a:fld>
             <a:endParaRPr lang="x-none"/>
           </a:p>
@@ -2992,7 +2992,7 @@
             <a:fld id="{589E83A2-32B4-44C6-94CC-A08A017D02CF}" type="datetime8">
               <a:rPr lang="x-none" smtClean="0"/>
               <a:pPr/>
-              <a:t>24-11-2019 12:26</a:t>
+              <a:t>25-11-2019 09:09</a:t>
             </a:fld>
             <a:endParaRPr lang="x-none"/>
           </a:p>
@@ -3283,7 +3283,7 @@
             <a:fld id="{D9028CC8-D893-4944-A0C0-4475208982C3}" type="datetime8">
               <a:rPr lang="x-none" smtClean="0"/>
               <a:pPr/>
-              <a:t>24-11-2019 12:26</a:t>
+              <a:t>25-11-2019 09:09</a:t>
             </a:fld>
             <a:endParaRPr lang="x-none"/>
           </a:p>
@@ -3528,7 +3528,7 @@
             <a:fld id="{F828E01B-D182-46E2-8D8F-B81C922CC6F0}" type="datetime8">
               <a:rPr lang="x-none" smtClean="0"/>
               <a:pPr/>
-              <a:t>24-11-2019 12:26</a:t>
+              <a:t>25-11-2019 09:09</a:t>
             </a:fld>
             <a:endParaRPr lang="x-none"/>
           </a:p>
@@ -4134,14 +4134,22 @@
         </p:nvSpPr>
         <p:spPr/>
         <p:txBody>
-          <a:bodyPr/>
-          <a:lstStyle/>
-          <a:p>
-            <a:r>
-              <a:rPr lang="en-US" dirty="0"/>
+          <a:bodyPr>
+            <a:normAutofit/>
+          </a:bodyPr>
+          <a:lstStyle/>
+          <a:p>
+            <a:r>
+              <a:rPr lang="en-US" dirty="0">
+                <a:latin typeface="Calibri" panose="020F0502020204030204" pitchFamily="34" charset="0"/>
+                <a:cs typeface="Times New Roman" panose="02020603050405020304" pitchFamily="18" charset="0"/>
+              </a:rPr>
               <a:t>Demo/ Prototype</a:t>
             </a:r>
-            <a:endParaRPr lang="x-none" dirty="0"/>
+            <a:endParaRPr lang="x-none" dirty="0">
+              <a:latin typeface="Calibri" panose="020F0502020204030204" pitchFamily="34" charset="0"/>
+              <a:cs typeface="Times New Roman" panose="02020603050405020304" pitchFamily="18" charset="0"/>
+            </a:endParaRPr>
           </a:p>
         </p:txBody>
       </p:sp>
@@ -4353,14 +4361,22 @@
         </p:nvSpPr>
         <p:spPr/>
         <p:txBody>
-          <a:bodyPr/>
-          <a:lstStyle/>
-          <a:p>
-            <a:r>
-              <a:rPr lang="en-US" dirty="0"/>
+          <a:bodyPr>
+            <a:normAutofit/>
+          </a:bodyPr>
+          <a:lstStyle/>
+          <a:p>
+            <a:r>
+              <a:rPr lang="en-US" dirty="0">
+                <a:latin typeface="Calibri" panose="020F0502020204030204" pitchFamily="34" charset="0"/>
+                <a:cs typeface="Times New Roman" panose="02020603050405020304" pitchFamily="18" charset="0"/>
+              </a:rPr>
               <a:t>Technology Stack</a:t>
             </a:r>
-            <a:endParaRPr lang="x-none" dirty="0"/>
+            <a:endParaRPr lang="x-none" dirty="0">
+              <a:latin typeface="Calibri" panose="020F0502020204030204" pitchFamily="34" charset="0"/>
+              <a:cs typeface="Times New Roman" panose="02020603050405020304" pitchFamily="18" charset="0"/>
+            </a:endParaRPr>
           </a:p>
         </p:txBody>
       </p:sp>
@@ -4890,14 +4906,22 @@
         </p:nvSpPr>
         <p:spPr/>
         <p:txBody>
-          <a:bodyPr/>
-          <a:lstStyle/>
-          <a:p>
-            <a:r>
-              <a:rPr lang="en-US" dirty="0" smtClean="0"/>
+          <a:bodyPr>
+            <a:normAutofit/>
+          </a:bodyPr>
+          <a:lstStyle/>
+          <a:p>
+            <a:r>
+              <a:rPr lang="en-US" dirty="0">
+                <a:latin typeface="Calibri" panose="020F0502020204030204" pitchFamily="34" charset="0"/>
+                <a:cs typeface="Times New Roman" panose="02020603050405020304" pitchFamily="18" charset="0"/>
+              </a:rPr>
               <a:t>Deliverables</a:t>
             </a:r>
-            <a:endParaRPr lang="x-none" dirty="0"/>
+            <a:endParaRPr lang="x-none" dirty="0">
+              <a:latin typeface="Calibri" panose="020F0502020204030204" pitchFamily="34" charset="0"/>
+              <a:cs typeface="Times New Roman" panose="02020603050405020304" pitchFamily="18" charset="0"/>
+            </a:endParaRPr>
           </a:p>
         </p:txBody>
       </p:sp>
@@ -5337,22 +5361,36 @@
         </p:nvSpPr>
         <p:spPr/>
         <p:txBody>
-          <a:bodyPr/>
-          <a:lstStyle/>
-          <a:p>
-            <a:r>
-              <a:rPr lang="en-US" dirty="0" smtClean="0"/>
+          <a:bodyPr>
+            <a:normAutofit/>
+          </a:bodyPr>
+          <a:lstStyle/>
+          <a:p>
+            <a:r>
+              <a:rPr lang="en-US" dirty="0">
+                <a:latin typeface="Calibri" panose="020F0502020204030204" pitchFamily="34" charset="0"/>
+                <a:cs typeface="Times New Roman" panose="02020603050405020304" pitchFamily="18" charset="0"/>
+              </a:rPr>
               <a:t>Extended Work – </a:t>
             </a:r>
             <a:r>
-              <a:rPr lang="en-US" dirty="0"/>
+              <a:rPr lang="en-US" dirty="0">
+                <a:latin typeface="Calibri" panose="020F0502020204030204" pitchFamily="34" charset="0"/>
+                <a:cs typeface="Times New Roman" panose="02020603050405020304" pitchFamily="18" charset="0"/>
+              </a:rPr>
               <a:t>Application is </a:t>
             </a:r>
             <a:r>
-              <a:rPr lang="en-US" dirty="0" smtClean="0"/>
+              <a:rPr lang="en-US" dirty="0">
+                <a:latin typeface="Calibri" panose="020F0502020204030204" pitchFamily="34" charset="0"/>
+                <a:cs typeface="Times New Roman" panose="02020603050405020304" pitchFamily="18" charset="0"/>
+              </a:rPr>
               <a:t>Scalable</a:t>
             </a:r>
-            <a:endParaRPr lang="x-none" dirty="0"/>
+            <a:endParaRPr lang="x-none" dirty="0">
+              <a:latin typeface="Calibri" panose="020F0502020204030204" pitchFamily="34" charset="0"/>
+              <a:cs typeface="Times New Roman" panose="02020603050405020304" pitchFamily="18" charset="0"/>
+            </a:endParaRPr>
           </a:p>
         </p:txBody>
       </p:sp>
@@ -5530,14 +5568,22 @@
         </p:nvSpPr>
         <p:spPr/>
         <p:txBody>
-          <a:bodyPr/>
-          <a:lstStyle/>
-          <a:p>
-            <a:r>
-              <a:rPr lang="en-US" dirty="0" smtClean="0"/>
+          <a:bodyPr>
+            <a:normAutofit/>
+          </a:bodyPr>
+          <a:lstStyle/>
+          <a:p>
+            <a:r>
+              <a:rPr lang="en-US" dirty="0">
+                <a:latin typeface="Calibri" panose="020F0502020204030204" pitchFamily="34" charset="0"/>
+                <a:cs typeface="Times New Roman" panose="02020603050405020304" pitchFamily="18" charset="0"/>
+              </a:rPr>
               <a:t>Agenda</a:t>
             </a:r>
-            <a:endParaRPr lang="x-none" dirty="0"/>
+            <a:endParaRPr lang="x-none" dirty="0">
+              <a:latin typeface="Calibri" panose="020F0502020204030204" pitchFamily="34" charset="0"/>
+              <a:cs typeface="Times New Roman" panose="02020603050405020304" pitchFamily="18" charset="0"/>
+            </a:endParaRPr>
           </a:p>
         </p:txBody>
       </p:sp>
@@ -5900,18 +5946,29 @@
         </p:nvSpPr>
         <p:spPr/>
         <p:txBody>
-          <a:bodyPr/>
-          <a:lstStyle/>
-          <a:p>
-            <a:r>
-              <a:rPr lang="en-IN" dirty="0"/>
+          <a:bodyPr>
+            <a:normAutofit/>
+          </a:bodyPr>
+          <a:lstStyle/>
+          <a:p>
+            <a:r>
+              <a:rPr lang="en-IN" dirty="0">
+                <a:latin typeface="Calibri" panose="020F0502020204030204" pitchFamily="34" charset="0"/>
+                <a:cs typeface="Times New Roman" panose="02020603050405020304" pitchFamily="18" charset="0"/>
+              </a:rPr>
               <a:t>Problems with </a:t>
             </a:r>
             <a:r>
-              <a:rPr lang="en-IN" dirty="0" smtClean="0"/>
+              <a:rPr lang="en-IN" dirty="0">
+                <a:latin typeface="Calibri" panose="020F0502020204030204" pitchFamily="34" charset="0"/>
+                <a:cs typeface="Times New Roman" panose="02020603050405020304" pitchFamily="18" charset="0"/>
+              </a:rPr>
               <a:t>Traditional Insurance</a:t>
             </a:r>
-            <a:endParaRPr lang="x-none" dirty="0"/>
+            <a:endParaRPr lang="x-none" dirty="0">
+              <a:latin typeface="Calibri" panose="020F0502020204030204" pitchFamily="34" charset="0"/>
+              <a:cs typeface="Times New Roman" panose="02020603050405020304" pitchFamily="18" charset="0"/>
+            </a:endParaRPr>
           </a:p>
         </p:txBody>
       </p:sp>
@@ -6132,14 +6189,22 @@
         </p:nvSpPr>
         <p:spPr/>
         <p:txBody>
-          <a:bodyPr/>
-          <a:lstStyle/>
-          <a:p>
-            <a:r>
-              <a:rPr lang="en-IN" dirty="0" smtClean="0"/>
+          <a:bodyPr>
+            <a:normAutofit/>
+          </a:bodyPr>
+          <a:lstStyle/>
+          <a:p>
+            <a:r>
+              <a:rPr lang="en-IN" dirty="0">
+                <a:latin typeface="Calibri" panose="020F0502020204030204" pitchFamily="34" charset="0"/>
+                <a:cs typeface="Times New Roman" panose="02020603050405020304" pitchFamily="18" charset="0"/>
+              </a:rPr>
               <a:t>Solution - Platform Description</a:t>
             </a:r>
-            <a:endParaRPr lang="x-none" dirty="0"/>
+            <a:endParaRPr lang="x-none" dirty="0">
+              <a:latin typeface="Calibri" panose="020F0502020204030204" pitchFamily="34" charset="0"/>
+              <a:cs typeface="Times New Roman" panose="02020603050405020304" pitchFamily="18" charset="0"/>
+            </a:endParaRPr>
           </a:p>
         </p:txBody>
       </p:sp>
@@ -6356,18 +6421,22 @@
         </p:nvSpPr>
         <p:spPr/>
         <p:txBody>
-          <a:bodyPr/>
-          <a:lstStyle/>
-          <a:p>
-            <a:r>
-              <a:rPr lang="en-IN" dirty="0" smtClean="0">
+          <a:bodyPr>
+            <a:normAutofit/>
+          </a:bodyPr>
+          <a:lstStyle/>
+          <a:p>
+            <a:r>
+              <a:rPr lang="en-IN" dirty="0">
                 <a:latin typeface="Calibri" panose="020F0502020204030204" pitchFamily="34" charset="0"/>
-                <a:ea typeface="Calibri" panose="020F0502020204030204" pitchFamily="34" charset="0"/>
                 <a:cs typeface="Times New Roman" panose="02020603050405020304" pitchFamily="18" charset="0"/>
               </a:rPr>
               <a:t>The Stakeholders</a:t>
             </a:r>
-            <a:endParaRPr lang="x-none" dirty="0"/>
+            <a:endParaRPr lang="x-none" dirty="0">
+              <a:latin typeface="Calibri" panose="020F0502020204030204" pitchFamily="34" charset="0"/>
+              <a:cs typeface="Times New Roman" panose="02020603050405020304" pitchFamily="18" charset="0"/>
+            </a:endParaRPr>
           </a:p>
         </p:txBody>
       </p:sp>
@@ -6719,17 +6788,22 @@
         </p:nvSpPr>
         <p:spPr/>
         <p:txBody>
-          <a:bodyPr/>
-          <a:lstStyle/>
-          <a:p>
-            <a:r>
-              <a:rPr lang="en-US" dirty="0" smtClean="0">
+          <a:bodyPr>
+            <a:normAutofit/>
+          </a:bodyPr>
+          <a:lstStyle/>
+          <a:p>
+            <a:r>
+              <a:rPr lang="en-US" dirty="0">
                 <a:latin typeface="Calibri" panose="020F0502020204030204" pitchFamily="34" charset="0"/>
                 <a:cs typeface="Times New Roman" panose="02020603050405020304" pitchFamily="18" charset="0"/>
               </a:rPr>
               <a:t>Architecture</a:t>
             </a:r>
-            <a:endParaRPr lang="en-IN" dirty="0"/>
+            <a:endParaRPr lang="en-IN" dirty="0">
+              <a:latin typeface="Calibri" panose="020F0502020204030204" pitchFamily="34" charset="0"/>
+              <a:cs typeface="Times New Roman" panose="02020603050405020304" pitchFamily="18" charset="0"/>
+            </a:endParaRPr>
           </a:p>
         </p:txBody>
       </p:sp>
@@ -6868,7 +6942,7 @@
       </p:sp>
       <p:pic>
         <p:nvPicPr>
-          <p:cNvPr id="6" name="Content Placeholder 5"/>
+          <p:cNvPr id="5" name="Content Placeholder 4"/>
           <p:cNvPicPr>
             <a:picLocks noGrp="1" noChangeAspect="1"/>
           </p:cNvPicPr>
@@ -6890,8 +6964,8 @@
         </p:blipFill>
         <p:spPr>
           <a:xfrm>
-            <a:off x="1830827" y="1825625"/>
-            <a:ext cx="8530345" cy="4351338"/>
+            <a:off x="1875726" y="1825625"/>
+            <a:ext cx="8440547" cy="4351338"/>
           </a:xfrm>
         </p:spPr>
       </p:pic>
@@ -6937,14 +7011,22 @@
         </p:nvSpPr>
         <p:spPr/>
         <p:txBody>
-          <a:bodyPr/>
-          <a:lstStyle/>
-          <a:p>
-            <a:r>
-              <a:rPr lang="en-US" dirty="0" smtClean="0"/>
-              <a:t>How It Works…</a:t>
-            </a:r>
-            <a:endParaRPr lang="en-IN" dirty="0"/>
+          <a:bodyPr>
+            <a:normAutofit/>
+          </a:bodyPr>
+          <a:lstStyle/>
+          <a:p>
+            <a:r>
+              <a:rPr lang="en-US" dirty="0">
+                <a:latin typeface="Calibri" panose="020F0502020204030204" pitchFamily="34" charset="0"/>
+                <a:cs typeface="Times New Roman" panose="02020603050405020304" pitchFamily="18" charset="0"/>
+              </a:rPr>
+              <a:t>How It Works …</a:t>
+            </a:r>
+            <a:endParaRPr lang="en-IN" dirty="0">
+              <a:latin typeface="Calibri" panose="020F0502020204030204" pitchFamily="34" charset="0"/>
+              <a:cs typeface="Times New Roman" panose="02020603050405020304" pitchFamily="18" charset="0"/>
+            </a:endParaRPr>
           </a:p>
         </p:txBody>
       </p:sp>
@@ -7219,14 +7301,22 @@
         </p:nvSpPr>
         <p:spPr/>
         <p:txBody>
-          <a:bodyPr/>
-          <a:lstStyle/>
-          <a:p>
-            <a:r>
-              <a:rPr lang="en-IN" dirty="0" smtClean="0"/>
+          <a:bodyPr>
+            <a:normAutofit/>
+          </a:bodyPr>
+          <a:lstStyle/>
+          <a:p>
+            <a:r>
+              <a:rPr lang="en-IN" dirty="0">
+                <a:latin typeface="Calibri" panose="020F0502020204030204" pitchFamily="34" charset="0"/>
+                <a:cs typeface="Times New Roman" panose="02020603050405020304" pitchFamily="18" charset="0"/>
+              </a:rPr>
               <a:t>Problems Being Solved</a:t>
             </a:r>
-            <a:endParaRPr lang="x-none" dirty="0"/>
+            <a:endParaRPr lang="x-none" dirty="0">
+              <a:latin typeface="Calibri" panose="020F0502020204030204" pitchFamily="34" charset="0"/>
+              <a:cs typeface="Times New Roman" panose="02020603050405020304" pitchFamily="18" charset="0"/>
+            </a:endParaRPr>
           </a:p>
         </p:txBody>
       </p:sp>
